--- a/D2 - Lineup - home 11h.pptx
+++ b/D2 - Lineup - home 11h.pptx
@@ -4,11 +4,14 @@
   <p:sldMasterIdLst>
     <p:sldMasterId id="2147483648" r:id="rId1"/>
   </p:sldMasterIdLst>
+  <p:notesMasterIdLst>
+    <p:notesMasterId r:id="rId3"/>
+  </p:notesMasterIdLst>
   <p:sldIdLst>
     <p:sldId id="258" r:id="rId2"/>
   </p:sldIdLst>
   <p:sldSz cx="6858000" cy="9906000" type="A4"/>
-  <p:notesSz cx="6797675" cy="9928225"/>
+  <p:notesSz cx="6794500" cy="9906000"/>
   <p:defaultTextStyle>
     <a:defPPr>
       <a:defRPr lang="en-US"/>
@@ -123,6 +126,355 @@
 </p:presentation>
 </file>
 
+<file path=ppt/notesMasters/notesMaster1.xml><?xml version="1.0" encoding="utf-8"?>
+<p:notesMaster xmlns:a="http://schemas.openxmlformats.org/drawingml/2006/main" xmlns:r="http://schemas.openxmlformats.org/officeDocument/2006/relationships" xmlns:p="http://schemas.openxmlformats.org/presentationml/2006/main">
+  <p:cSld>
+    <p:bg>
+      <p:bgRef idx="1001">
+        <a:schemeClr val="bg1"/>
+      </p:bgRef>
+    </p:bg>
+    <p:spTree>
+      <p:nvGrpSpPr>
+        <p:cNvPr id="1" name=""/>
+        <p:cNvGrpSpPr/>
+        <p:nvPr/>
+      </p:nvGrpSpPr>
+      <p:grpSpPr>
+        <a:xfrm>
+          <a:off x="0" y="0"/>
+          <a:ext cx="0" cy="0"/>
+          <a:chOff x="0" y="0"/>
+          <a:chExt cx="0" cy="0"/>
+        </a:xfrm>
+      </p:grpSpPr>
+      <p:sp>
+        <p:nvSpPr>
+          <p:cNvPr id="2" name="Espace réservé de l'en-tête 1"/>
+          <p:cNvSpPr>
+            <a:spLocks noGrp="1"/>
+          </p:cNvSpPr>
+          <p:nvPr>
+            <p:ph type="hdr" sz="quarter"/>
+          </p:nvPr>
+        </p:nvSpPr>
+        <p:spPr>
+          <a:xfrm>
+            <a:off x="0" y="1"/>
+            <a:ext cx="2945024" cy="497359"/>
+          </a:xfrm>
+          <a:prstGeom prst="rect">
+            <a:avLst/>
+          </a:prstGeom>
+        </p:spPr>
+        <p:txBody>
+          <a:bodyPr vert="horz" lIns="91294" tIns="45647" rIns="91294" bIns="45647" rtlCol="0"/>
+          <a:lstStyle>
+            <a:lvl1pPr algn="l">
+              <a:defRPr sz="1200"/>
+            </a:lvl1pPr>
+          </a:lstStyle>
+          <a:p>
+            <a:endParaRPr lang="fr-FR"/>
+          </a:p>
+        </p:txBody>
+      </p:sp>
+      <p:sp>
+        <p:nvSpPr>
+          <p:cNvPr id="3" name="Espace réservé de la date 2"/>
+          <p:cNvSpPr>
+            <a:spLocks noGrp="1"/>
+          </p:cNvSpPr>
+          <p:nvPr>
+            <p:ph type="dt" idx="1"/>
+          </p:nvPr>
+        </p:nvSpPr>
+        <p:spPr>
+          <a:xfrm>
+            <a:off x="3847890" y="1"/>
+            <a:ext cx="2945024" cy="497359"/>
+          </a:xfrm>
+          <a:prstGeom prst="rect">
+            <a:avLst/>
+          </a:prstGeom>
+        </p:spPr>
+        <p:txBody>
+          <a:bodyPr vert="horz" lIns="91294" tIns="45647" rIns="91294" bIns="45647" rtlCol="0"/>
+          <a:lstStyle>
+            <a:lvl1pPr algn="r">
+              <a:defRPr sz="1200"/>
+            </a:lvl1pPr>
+          </a:lstStyle>
+          <a:p>
+            <a:fld id="{28007563-0749-4524-8201-942FBA33D59D}" type="datetimeFigureOut">
+              <a:rPr lang="fr-FR" smtClean="0"/>
+              <a:t>04/03/2020</a:t>
+            </a:fld>
+            <a:endParaRPr lang="fr-FR"/>
+          </a:p>
+        </p:txBody>
+      </p:sp>
+      <p:sp>
+        <p:nvSpPr>
+          <p:cNvPr id="4" name="Espace réservé de l'image des diapositives 3"/>
+          <p:cNvSpPr>
+            <a:spLocks noGrp="1" noRot="1" noChangeAspect="1"/>
+          </p:cNvSpPr>
+          <p:nvPr>
+            <p:ph type="sldImg" idx="2"/>
+          </p:nvPr>
+        </p:nvSpPr>
+        <p:spPr>
+          <a:xfrm>
+            <a:off x="2239963" y="1238250"/>
+            <a:ext cx="2314575" cy="3343275"/>
+          </a:xfrm>
+          <a:prstGeom prst="rect">
+            <a:avLst/>
+          </a:prstGeom>
+          <a:noFill/>
+          <a:ln w="12700">
+            <a:solidFill>
+              <a:prstClr val="black"/>
+            </a:solidFill>
+          </a:ln>
+        </p:spPr>
+        <p:txBody>
+          <a:bodyPr vert="horz" lIns="91294" tIns="45647" rIns="91294" bIns="45647" rtlCol="0" anchor="ctr"/>
+          <a:lstStyle/>
+          <a:p>
+            <a:endParaRPr lang="fr-FR"/>
+          </a:p>
+        </p:txBody>
+      </p:sp>
+      <p:sp>
+        <p:nvSpPr>
+          <p:cNvPr id="5" name="Espace réservé des notes 4"/>
+          <p:cNvSpPr>
+            <a:spLocks noGrp="1"/>
+          </p:cNvSpPr>
+          <p:nvPr>
+            <p:ph type="body" sz="quarter" idx="3"/>
+          </p:nvPr>
+        </p:nvSpPr>
+        <p:spPr>
+          <a:xfrm>
+            <a:off x="679133" y="4767679"/>
+            <a:ext cx="5436235" cy="3899676"/>
+          </a:xfrm>
+          <a:prstGeom prst="rect">
+            <a:avLst/>
+          </a:prstGeom>
+        </p:spPr>
+        <p:txBody>
+          <a:bodyPr vert="horz" lIns="91294" tIns="45647" rIns="91294" bIns="45647" rtlCol="0"/>
+          <a:lstStyle/>
+          <a:p>
+            <a:pPr lvl="0"/>
+            <a:r>
+              <a:rPr lang="fr-FR"/>
+              <a:t>Modifier les styles du texte du masque</a:t>
+            </a:r>
+          </a:p>
+          <a:p>
+            <a:pPr lvl="1"/>
+            <a:r>
+              <a:rPr lang="fr-FR"/>
+              <a:t>Deuxième niveau</a:t>
+            </a:r>
+          </a:p>
+          <a:p>
+            <a:pPr lvl="2"/>
+            <a:r>
+              <a:rPr lang="fr-FR"/>
+              <a:t>Troisième niveau</a:t>
+            </a:r>
+          </a:p>
+          <a:p>
+            <a:pPr lvl="3"/>
+            <a:r>
+              <a:rPr lang="fr-FR"/>
+              <a:t>Quatrième niveau</a:t>
+            </a:r>
+          </a:p>
+          <a:p>
+            <a:pPr lvl="4"/>
+            <a:r>
+              <a:rPr lang="fr-FR"/>
+              <a:t>Cinquième niveau</a:t>
+            </a:r>
+          </a:p>
+        </p:txBody>
+      </p:sp>
+      <p:sp>
+        <p:nvSpPr>
+          <p:cNvPr id="6" name="Espace réservé du pied de page 5"/>
+          <p:cNvSpPr>
+            <a:spLocks noGrp="1"/>
+          </p:cNvSpPr>
+          <p:nvPr>
+            <p:ph type="ftr" sz="quarter" idx="4"/>
+          </p:nvPr>
+        </p:nvSpPr>
+        <p:spPr>
+          <a:xfrm>
+            <a:off x="0" y="9408641"/>
+            <a:ext cx="2945024" cy="497359"/>
+          </a:xfrm>
+          <a:prstGeom prst="rect">
+            <a:avLst/>
+          </a:prstGeom>
+        </p:spPr>
+        <p:txBody>
+          <a:bodyPr vert="horz" lIns="91294" tIns="45647" rIns="91294" bIns="45647" rtlCol="0" anchor="b"/>
+          <a:lstStyle>
+            <a:lvl1pPr algn="l">
+              <a:defRPr sz="1200"/>
+            </a:lvl1pPr>
+          </a:lstStyle>
+          <a:p>
+            <a:endParaRPr lang="fr-FR"/>
+          </a:p>
+        </p:txBody>
+      </p:sp>
+      <p:sp>
+        <p:nvSpPr>
+          <p:cNvPr id="7" name="Espace réservé du numéro de diapositive 6"/>
+          <p:cNvSpPr>
+            <a:spLocks noGrp="1"/>
+          </p:cNvSpPr>
+          <p:nvPr>
+            <p:ph type="sldNum" sz="quarter" idx="5"/>
+          </p:nvPr>
+        </p:nvSpPr>
+        <p:spPr>
+          <a:xfrm>
+            <a:off x="3847890" y="9408641"/>
+            <a:ext cx="2945024" cy="497359"/>
+          </a:xfrm>
+          <a:prstGeom prst="rect">
+            <a:avLst/>
+          </a:prstGeom>
+        </p:spPr>
+        <p:txBody>
+          <a:bodyPr vert="horz" lIns="91294" tIns="45647" rIns="91294" bIns="45647" rtlCol="0" anchor="b"/>
+          <a:lstStyle>
+            <a:lvl1pPr algn="r">
+              <a:defRPr sz="1200"/>
+            </a:lvl1pPr>
+          </a:lstStyle>
+          <a:p>
+            <a:fld id="{1B259D5B-10F3-4CCC-8C18-19BB691AB925}" type="slidenum">
+              <a:rPr lang="fr-FR" smtClean="0"/>
+              <a:t>‹N°›</a:t>
+            </a:fld>
+            <a:endParaRPr lang="fr-FR"/>
+          </a:p>
+        </p:txBody>
+      </p:sp>
+    </p:spTree>
+    <p:extLst>
+      <p:ext uri="{BB962C8B-B14F-4D97-AF65-F5344CB8AC3E}">
+        <p14:creationId xmlns:p14="http://schemas.microsoft.com/office/powerpoint/2010/main" val="484390772"/>
+      </p:ext>
+    </p:extLst>
+  </p:cSld>
+  <p:clrMap bg1="lt1" tx1="dk1" bg2="lt2" tx2="dk2" accent1="accent1" accent2="accent2" accent3="accent3" accent4="accent4" accent5="accent5" accent6="accent6" hlink="hlink" folHlink="folHlink"/>
+  <p:notesStyle>
+    <a:lvl1pPr marL="0" algn="l" defTabSz="914400" rtl="0" eaLnBrk="1" latinLnBrk="0" hangingPunct="1">
+      <a:defRPr sz="1200" kern="1200">
+        <a:solidFill>
+          <a:schemeClr val="tx1"/>
+        </a:solidFill>
+        <a:latin typeface="+mn-lt"/>
+        <a:ea typeface="+mn-ea"/>
+        <a:cs typeface="+mn-cs"/>
+      </a:defRPr>
+    </a:lvl1pPr>
+    <a:lvl2pPr marL="457200" algn="l" defTabSz="914400" rtl="0" eaLnBrk="1" latinLnBrk="0" hangingPunct="1">
+      <a:defRPr sz="1200" kern="1200">
+        <a:solidFill>
+          <a:schemeClr val="tx1"/>
+        </a:solidFill>
+        <a:latin typeface="+mn-lt"/>
+        <a:ea typeface="+mn-ea"/>
+        <a:cs typeface="+mn-cs"/>
+      </a:defRPr>
+    </a:lvl2pPr>
+    <a:lvl3pPr marL="914400" algn="l" defTabSz="914400" rtl="0" eaLnBrk="1" latinLnBrk="0" hangingPunct="1">
+      <a:defRPr sz="1200" kern="1200">
+        <a:solidFill>
+          <a:schemeClr val="tx1"/>
+        </a:solidFill>
+        <a:latin typeface="+mn-lt"/>
+        <a:ea typeface="+mn-ea"/>
+        <a:cs typeface="+mn-cs"/>
+      </a:defRPr>
+    </a:lvl3pPr>
+    <a:lvl4pPr marL="1371600" algn="l" defTabSz="914400" rtl="0" eaLnBrk="1" latinLnBrk="0" hangingPunct="1">
+      <a:defRPr sz="1200" kern="1200">
+        <a:solidFill>
+          <a:schemeClr val="tx1"/>
+        </a:solidFill>
+        <a:latin typeface="+mn-lt"/>
+        <a:ea typeface="+mn-ea"/>
+        <a:cs typeface="+mn-cs"/>
+      </a:defRPr>
+    </a:lvl4pPr>
+    <a:lvl5pPr marL="1828800" algn="l" defTabSz="914400" rtl="0" eaLnBrk="1" latinLnBrk="0" hangingPunct="1">
+      <a:defRPr sz="1200" kern="1200">
+        <a:solidFill>
+          <a:schemeClr val="tx1"/>
+        </a:solidFill>
+        <a:latin typeface="+mn-lt"/>
+        <a:ea typeface="+mn-ea"/>
+        <a:cs typeface="+mn-cs"/>
+      </a:defRPr>
+    </a:lvl5pPr>
+    <a:lvl6pPr marL="2286000" algn="l" defTabSz="914400" rtl="0" eaLnBrk="1" latinLnBrk="0" hangingPunct="1">
+      <a:defRPr sz="1200" kern="1200">
+        <a:solidFill>
+          <a:schemeClr val="tx1"/>
+        </a:solidFill>
+        <a:latin typeface="+mn-lt"/>
+        <a:ea typeface="+mn-ea"/>
+        <a:cs typeface="+mn-cs"/>
+      </a:defRPr>
+    </a:lvl6pPr>
+    <a:lvl7pPr marL="2743200" algn="l" defTabSz="914400" rtl="0" eaLnBrk="1" latinLnBrk="0" hangingPunct="1">
+      <a:defRPr sz="1200" kern="1200">
+        <a:solidFill>
+          <a:schemeClr val="tx1"/>
+        </a:solidFill>
+        <a:latin typeface="+mn-lt"/>
+        <a:ea typeface="+mn-ea"/>
+        <a:cs typeface="+mn-cs"/>
+      </a:defRPr>
+    </a:lvl7pPr>
+    <a:lvl8pPr marL="3200400" algn="l" defTabSz="914400" rtl="0" eaLnBrk="1" latinLnBrk="0" hangingPunct="1">
+      <a:defRPr sz="1200" kern="1200">
+        <a:solidFill>
+          <a:schemeClr val="tx1"/>
+        </a:solidFill>
+        <a:latin typeface="+mn-lt"/>
+        <a:ea typeface="+mn-ea"/>
+        <a:cs typeface="+mn-cs"/>
+      </a:defRPr>
+    </a:lvl8pPr>
+    <a:lvl9pPr marL="3657600" algn="l" defTabSz="914400" rtl="0" eaLnBrk="1" latinLnBrk="0" hangingPunct="1">
+      <a:defRPr sz="1200" kern="1200">
+        <a:solidFill>
+          <a:schemeClr val="tx1"/>
+        </a:solidFill>
+        <a:latin typeface="+mn-lt"/>
+        <a:ea typeface="+mn-ea"/>
+        <a:cs typeface="+mn-cs"/>
+      </a:defRPr>
+    </a:lvl9pPr>
+  </p:notesStyle>
+</p:notesMaster>
+</file>
+
 <file path=ppt/slideLayouts/slideLayout1.xml><?xml version="1.0" encoding="utf-8"?>
 <p:sldLayout xmlns:a="http://schemas.openxmlformats.org/drawingml/2006/main" xmlns:r="http://schemas.openxmlformats.org/officeDocument/2006/relationships" xmlns:p="http://schemas.openxmlformats.org/presentationml/2006/main" type="title" preserve="1">
   <p:cSld name="Title Slide">
@@ -303,7 +655,7 @@
             <a:fld id="{1D8BD707-D9CF-40AE-B4C6-C98DA3205C09}" type="datetimeFigureOut">
               <a:rPr lang="en-US" smtClean="0"/>
               <a:pPr/>
-              <a:t>3/4/2019</a:t>
+              <a:t>3/4/2020</a:t>
             </a:fld>
             <a:endParaRPr lang="en-US"/>
           </a:p>
@@ -468,7 +820,7 @@
             <a:fld id="{1D8BD707-D9CF-40AE-B4C6-C98DA3205C09}" type="datetimeFigureOut">
               <a:rPr lang="en-US" smtClean="0"/>
               <a:pPr/>
-              <a:t>3/4/2019</a:t>
+              <a:t>3/4/2020</a:t>
             </a:fld>
             <a:endParaRPr lang="en-US"/>
           </a:p>
@@ -643,7 +995,7 @@
             <a:fld id="{1D8BD707-D9CF-40AE-B4C6-C98DA3205C09}" type="datetimeFigureOut">
               <a:rPr lang="en-US" smtClean="0"/>
               <a:pPr/>
-              <a:t>3/4/2019</a:t>
+              <a:t>3/4/2020</a:t>
             </a:fld>
             <a:endParaRPr lang="en-US"/>
           </a:p>
@@ -808,7 +1160,7 @@
             <a:fld id="{1D8BD707-D9CF-40AE-B4C6-C98DA3205C09}" type="datetimeFigureOut">
               <a:rPr lang="en-US" smtClean="0"/>
               <a:pPr/>
-              <a:t>3/4/2019</a:t>
+              <a:t>3/4/2020</a:t>
             </a:fld>
             <a:endParaRPr lang="en-US"/>
           </a:p>
@@ -1050,7 +1402,7 @@
             <a:fld id="{1D8BD707-D9CF-40AE-B4C6-C98DA3205C09}" type="datetimeFigureOut">
               <a:rPr lang="en-US" smtClean="0"/>
               <a:pPr/>
-              <a:t>3/4/2019</a:t>
+              <a:t>3/4/2020</a:t>
             </a:fld>
             <a:endParaRPr lang="en-US"/>
           </a:p>
@@ -1332,7 +1684,7 @@
             <a:fld id="{1D8BD707-D9CF-40AE-B4C6-C98DA3205C09}" type="datetimeFigureOut">
               <a:rPr lang="en-US" smtClean="0"/>
               <a:pPr/>
-              <a:t>3/4/2019</a:t>
+              <a:t>3/4/2020</a:t>
             </a:fld>
             <a:endParaRPr lang="en-US"/>
           </a:p>
@@ -1748,7 +2100,7 @@
             <a:fld id="{1D8BD707-D9CF-40AE-B4C6-C98DA3205C09}" type="datetimeFigureOut">
               <a:rPr lang="en-US" smtClean="0"/>
               <a:pPr/>
-              <a:t>3/4/2019</a:t>
+              <a:t>3/4/2020</a:t>
             </a:fld>
             <a:endParaRPr lang="en-US"/>
           </a:p>
@@ -1862,7 +2214,7 @@
             <a:fld id="{1D8BD707-D9CF-40AE-B4C6-C98DA3205C09}" type="datetimeFigureOut">
               <a:rPr lang="en-US" smtClean="0"/>
               <a:pPr/>
-              <a:t>3/4/2019</a:t>
+              <a:t>3/4/2020</a:t>
             </a:fld>
             <a:endParaRPr lang="en-US"/>
           </a:p>
@@ -1954,7 +2306,7 @@
             <a:fld id="{1D8BD707-D9CF-40AE-B4C6-C98DA3205C09}" type="datetimeFigureOut">
               <a:rPr lang="en-US" smtClean="0"/>
               <a:pPr/>
-              <a:t>3/4/2019</a:t>
+              <a:t>3/4/2020</a:t>
             </a:fld>
             <a:endParaRPr lang="en-US"/>
           </a:p>
@@ -2226,7 +2578,7 @@
             <a:fld id="{1D8BD707-D9CF-40AE-B4C6-C98DA3205C09}" type="datetimeFigureOut">
               <a:rPr lang="en-US" smtClean="0"/>
               <a:pPr/>
-              <a:t>3/4/2019</a:t>
+              <a:t>3/4/2020</a:t>
             </a:fld>
             <a:endParaRPr lang="en-US"/>
           </a:p>
@@ -2475,7 +2827,7 @@
             <a:fld id="{1D8BD707-D9CF-40AE-B4C6-C98DA3205C09}" type="datetimeFigureOut">
               <a:rPr lang="en-US" smtClean="0"/>
               <a:pPr/>
-              <a:t>3/4/2019</a:t>
+              <a:t>3/4/2020</a:t>
             </a:fld>
             <a:endParaRPr lang="en-US"/>
           </a:p>
@@ -2683,7 +3035,7 @@
             <a:fld id="{1D8BD707-D9CF-40AE-B4C6-C98DA3205C09}" type="datetimeFigureOut">
               <a:rPr lang="en-US" smtClean="0"/>
               <a:pPr/>
-              <a:t>3/4/2019</a:t>
+              <a:t>3/4/2020</a:t>
             </a:fld>
             <a:endParaRPr lang="en-US"/>
           </a:p>
@@ -3063,7 +3415,7 @@
           <p:nvPr>
             <p:extLst>
               <p:ext uri="{D42A27DB-BD31-4B8C-83A1-F6EECF244321}">
-                <p14:modId xmlns:p14="http://schemas.microsoft.com/office/powerpoint/2010/main" val="1703628898"/>
+                <p14:modId xmlns:p14="http://schemas.microsoft.com/office/powerpoint/2010/main" val="1836634376"/>
               </p:ext>
             </p:extLst>
           </p:nvPr>
@@ -3385,7 +3737,7 @@
                             <a:schemeClr val="bg1"/>
                           </a:solidFill>
                         </a:rPr>
-                        <a:t>AWAY</a:t>
+                        <a:t>OPPONENT</a:t>
                       </a:r>
                     </a:p>
                   </a:txBody>
@@ -4918,14 +5270,14 @@
           <p:nvPr>
             <p:extLst>
               <p:ext uri="{D42A27DB-BD31-4B8C-83A1-F6EECF244321}">
-                <p14:modId xmlns:p14="http://schemas.microsoft.com/office/powerpoint/2010/main" val="2643423308"/>
+                <p14:modId xmlns:p14="http://schemas.microsoft.com/office/powerpoint/2010/main" val="388921872"/>
               </p:ext>
             </p:extLst>
           </p:nvPr>
         </p:nvGraphicFramePr>
         <p:xfrm>
-          <a:off x="166813" y="1369747"/>
-          <a:ext cx="4100387" cy="3735651"/>
+          <a:off x="166812" y="1369747"/>
+          <a:ext cx="4100387" cy="3744771"/>
         </p:xfrm>
         <a:graphic>
           <a:graphicData uri="http://schemas.openxmlformats.org/drawingml/2006/table">
@@ -4934,28 +5286,35 @@
                 <a:tableStyleId>{7E9639D4-E3E2-4D34-9284-5A2195B3D0D7}</a:tableStyleId>
               </a:tblPr>
               <a:tblGrid>
-                <a:gridCol w="483974">
+                <a:gridCol w="294171">
                   <a:extLst>
                     <a:ext uri="{9D8B030D-6E8A-4147-A177-3AD203B41FA5}">
                       <a16:colId xmlns:a16="http://schemas.microsoft.com/office/drawing/2014/main" val="20000"/>
                     </a:ext>
                   </a:extLst>
                 </a:gridCol>
-                <a:gridCol w="1205471">
+                <a:gridCol w="951554">
                   <a:extLst>
                     <a:ext uri="{9D8B030D-6E8A-4147-A177-3AD203B41FA5}">
                       <a16:colId xmlns:a16="http://schemas.microsoft.com/office/drawing/2014/main" val="20001"/>
                     </a:ext>
                   </a:extLst>
                 </a:gridCol>
-                <a:gridCol w="1205471">
+                <a:gridCol w="951554">
                   <a:extLst>
                     <a:ext uri="{9D8B030D-6E8A-4147-A177-3AD203B41FA5}">
                       <a16:colId xmlns:a16="http://schemas.microsoft.com/office/drawing/2014/main" val="20002"/>
                     </a:ext>
                   </a:extLst>
                 </a:gridCol>
-                <a:gridCol w="1205471">
+                <a:gridCol w="951554">
+                  <a:extLst>
+                    <a:ext uri="{9D8B030D-6E8A-4147-A177-3AD203B41FA5}">
+                      <a16:colId xmlns:a16="http://schemas.microsoft.com/office/drawing/2014/main" val="930113300"/>
+                    </a:ext>
+                  </a:extLst>
+                </a:gridCol>
+                <a:gridCol w="951554">
                   <a:extLst>
                     <a:ext uri="{9D8B030D-6E8A-4147-A177-3AD203B41FA5}">
                       <a16:colId xmlns:a16="http://schemas.microsoft.com/office/drawing/2014/main" val="20003"/>
@@ -4986,12 +5345,23 @@
                     </a:solidFill>
                   </a:tcPr>
                 </a:tc>
-                <a:tc gridSpan="3">
+                <a:tc gridSpan="4">
                   <a:txBody>
                     <a:bodyPr/>
                     <a:lstStyle/>
                     <a:p>
                       <a:pPr marL="0" lvl="0" algn="ctr" defTabSz="914400" rtl="0" eaLnBrk="1" latinLnBrk="0" hangingPunct="1"/>
+                      <a:r>
+                        <a:rPr lang="fr-FR" sz="1400" b="1" kern="1200" dirty="0">
+                          <a:solidFill>
+                            <a:srgbClr val="FFFFFF"/>
+                          </a:solidFill>
+                          <a:latin typeface="+mn-lt"/>
+                          <a:ea typeface="+mn-ea"/>
+                          <a:cs typeface="+mn-cs"/>
+                        </a:rPr>
+                        <a:t>S</a:t>
+                      </a:r>
                       <a:r>
                         <a:rPr lang="fr-FR" sz="1400" b="1" kern="1200" dirty="0">
                           <a:solidFill>
@@ -5001,7 +5371,29 @@
                           <a:ea typeface="+mn-ea"/>
                           <a:cs typeface="+mn-cs"/>
                         </a:rPr>
-                        <a:t>5 ROUNDS OF 4 – ENDS W/BUNTS</a:t>
+                        <a:t>EQUENCE WRITTEN </a:t>
+                      </a:r>
+                      <a:r>
+                        <a:rPr lang="fr-FR" sz="1400" b="1" kern="1200" dirty="0">
+                          <a:solidFill>
+                            <a:srgbClr val="FFFF00"/>
+                          </a:solidFill>
+                          <a:latin typeface="+mn-lt"/>
+                          <a:ea typeface="+mn-ea"/>
+                          <a:cs typeface="+mn-cs"/>
+                        </a:rPr>
+                        <a:t>YELLOW</a:t>
+                      </a:r>
+                      <a:r>
+                        <a:rPr lang="fr-FR" sz="1400" b="1" kern="1200" dirty="0">
+                          <a:solidFill>
+                            <a:schemeClr val="bg1"/>
+                          </a:solidFill>
+                          <a:latin typeface="+mn-lt"/>
+                          <a:ea typeface="+mn-ea"/>
+                          <a:cs typeface="+mn-cs"/>
+                        </a:rPr>
+                        <a:t> LINE</a:t>
                       </a:r>
                     </a:p>
                   </a:txBody>
@@ -5027,6 +5419,16 @@
                       </a:srgbClr>
                     </a:solidFill>
                   </a:tcPr>
+                </a:tc>
+                <a:tc hMerge="1">
+                  <a:txBody>
+                    <a:bodyPr/>
+                    <a:lstStyle/>
+                    <a:p>
+                      <a:endParaRPr lang="fr-FR"/>
+                    </a:p>
+                  </a:txBody>
+                  <a:tcPr/>
                 </a:tc>
                 <a:tc hMerge="1">
                   <a:txBody>
@@ -5153,10 +5555,62 @@
                     <a:bodyPr/>
                     <a:lstStyle/>
                     <a:p>
+                      <a:pPr marL="0" marR="0" lvl="0" indent="0" algn="ctr" defTabSz="914400" rtl="0" eaLnBrk="1" fontAlgn="auto" latinLnBrk="0" hangingPunct="1">
+                        <a:lnSpc>
+                          <a:spcPct val="100000"/>
+                        </a:lnSpc>
+                        <a:spcBef>
+                          <a:spcPts val="0"/>
+                        </a:spcBef>
+                        <a:spcAft>
+                          <a:spcPts val="0"/>
+                        </a:spcAft>
+                        <a:buClrTx/>
+                        <a:buSzTx/>
+                        <a:buFontTx/>
+                        <a:buNone/>
+                        <a:tabLst/>
+                        <a:defRPr/>
+                      </a:pPr>
+                      <a:r>
+                        <a:rPr lang="fr-FR" sz="1200" b="1" cap="small" baseline="0" dirty="0"/>
+                        <a:t>GROUPE #3</a:t>
+                      </a:r>
+                    </a:p>
+                  </a:txBody>
+                  <a:tcPr marL="55572" marR="55572" marT="27786" marB="27786" anchor="ctr">
+                    <a:lnL w="12700" cap="flat" cmpd="sng" algn="ctr">
+                      <a:solidFill>
+                        <a:schemeClr val="tx1"/>
+                      </a:solidFill>
+                      <a:prstDash val="solid"/>
+                      <a:round/>
+                      <a:headEnd type="none" w="med" len="med"/>
+                      <a:tailEnd type="none" w="med" len="med"/>
+                    </a:lnL>
+                    <a:lnR w="12700" cap="flat" cmpd="sng" algn="ctr">
+                      <a:solidFill>
+                        <a:schemeClr val="tx1"/>
+                      </a:solidFill>
+                      <a:prstDash val="solid"/>
+                      <a:round/>
+                      <a:headEnd type="none" w="med" len="med"/>
+                      <a:tailEnd type="none" w="med" len="med"/>
+                    </a:lnR>
+                    <a:solidFill>
+                      <a:srgbClr val="7CC2ED"/>
+                    </a:solidFill>
+                  </a:tcPr>
+                </a:tc>
+                <a:tc>
+                  <a:txBody>
+                    <a:bodyPr/>
+                    <a:lstStyle/>
+                    <a:p>
                       <a:pPr algn="ctr"/>
                       <a:r>
                         <a:rPr lang="fr-FR" sz="1200" b="1" cap="small" baseline="0" dirty="0"/>
-                        <a:t>GROUPE #3</a:t>
+                        <a:t>GROUPE #4</a:t>
                       </a:r>
                     </a:p>
                   </a:txBody>
@@ -5181,7 +5635,34 @@
                   </a:ext>
                 </a:extLst>
               </a:tr>
-              <a:tr h="470222">
+              <a:tr h="216000">
+                <a:tc>
+                  <a:txBody>
+                    <a:bodyPr/>
+                    <a:lstStyle/>
+                    <a:p>
+                      <a:pPr algn="ctr"/>
+                      <a:r>
+                        <a:rPr lang="fr-FR" sz="1200" b="1" dirty="0"/>
+                        <a:t>S</a:t>
+                      </a:r>
+                    </a:p>
+                  </a:txBody>
+                  <a:tcPr marL="55572" marR="55572" marT="27786" marB="27786" anchor="ctr">
+                    <a:lnR w="12700" cap="flat" cmpd="sng" algn="ctr">
+                      <a:solidFill>
+                        <a:schemeClr val="tx1"/>
+                      </a:solidFill>
+                      <a:prstDash val="solid"/>
+                      <a:round/>
+                      <a:headEnd type="none" w="med" len="med"/>
+                      <a:tailEnd type="none" w="med" len="med"/>
+                    </a:lnR>
+                    <a:solidFill>
+                      <a:srgbClr val="FFFF00"/>
+                    </a:solidFill>
+                  </a:tcPr>
+                </a:tc>
                 <a:tc>
                   <a:txBody>
                     <a:bodyPr/>
@@ -5192,6 +5673,15 @@
                     </a:p>
                   </a:txBody>
                   <a:tcPr marL="55572" marR="55572" marT="27786" marB="27786" anchor="ctr">
+                    <a:lnL w="12700" cap="flat" cmpd="sng" algn="ctr">
+                      <a:solidFill>
+                        <a:schemeClr val="tx1"/>
+                      </a:solidFill>
+                      <a:prstDash val="solid"/>
+                      <a:round/>
+                      <a:headEnd type="none" w="med" len="med"/>
+                      <a:tailEnd type="none" w="med" len="med"/>
+                    </a:lnL>
                     <a:lnR w="12700" cap="flat" cmpd="sng" algn="ctr">
                       <a:solidFill>
                         <a:schemeClr val="tx1"/>
@@ -5202,7 +5692,171 @@
                       <a:tailEnd type="none" w="med" len="med"/>
                     </a:lnR>
                     <a:solidFill>
+                      <a:srgbClr val="FFFFFF">
+                        <a:alpha val="80000"/>
+                      </a:srgbClr>
+                    </a:solidFill>
+                  </a:tcPr>
+                </a:tc>
+                <a:tc>
+                  <a:txBody>
+                    <a:bodyPr/>
+                    <a:lstStyle/>
+                    <a:p>
+                      <a:pPr algn="l"/>
+                      <a:endParaRPr lang="fr-FR" sz="1200" b="0" dirty="0"/>
+                    </a:p>
+                  </a:txBody>
+                  <a:tcPr marL="55572" marR="55572" marT="27786" marB="27786" anchor="ctr">
+                    <a:lnL w="12700" cap="flat" cmpd="sng" algn="ctr">
+                      <a:solidFill>
+                        <a:schemeClr val="tx1"/>
+                      </a:solidFill>
+                      <a:prstDash val="solid"/>
+                      <a:round/>
+                      <a:headEnd type="none" w="med" len="med"/>
+                      <a:tailEnd type="none" w="med" len="med"/>
+                    </a:lnL>
+                    <a:lnR w="12700" cap="flat" cmpd="sng" algn="ctr">
+                      <a:solidFill>
+                        <a:schemeClr val="tx1"/>
+                      </a:solidFill>
+                      <a:prstDash val="solid"/>
+                      <a:round/>
+                      <a:headEnd type="none" w="med" len="med"/>
+                      <a:tailEnd type="none" w="med" len="med"/>
+                    </a:lnR>
+                    <a:solidFill>
+                      <a:srgbClr val="FFFFFF">
+                        <a:alpha val="80000"/>
+                      </a:srgbClr>
+                    </a:solidFill>
+                  </a:tcPr>
+                </a:tc>
+                <a:tc>
+                  <a:txBody>
+                    <a:bodyPr/>
+                    <a:lstStyle/>
+                    <a:p>
+                      <a:pPr algn="l"/>
+                      <a:endParaRPr lang="fr-FR" sz="1200" b="0" dirty="0"/>
+                    </a:p>
+                  </a:txBody>
+                  <a:tcPr marL="55572" marR="55572" marT="27786" marB="27786" anchor="ctr">
+                    <a:lnL w="12700" cap="flat" cmpd="sng" algn="ctr">
+                      <a:solidFill>
+                        <a:schemeClr val="tx1"/>
+                      </a:solidFill>
+                      <a:prstDash val="solid"/>
+                      <a:round/>
+                      <a:headEnd type="none" w="med" len="med"/>
+                      <a:tailEnd type="none" w="med" len="med"/>
+                    </a:lnL>
+                    <a:lnR w="12700" cap="flat" cmpd="sng" algn="ctr">
+                      <a:solidFill>
+                        <a:schemeClr val="tx1"/>
+                      </a:solidFill>
+                      <a:prstDash val="solid"/>
+                      <a:round/>
+                      <a:headEnd type="none" w="med" len="med"/>
+                      <a:tailEnd type="none" w="med" len="med"/>
+                    </a:lnR>
+                    <a:solidFill>
+                      <a:srgbClr val="FFFFFF">
+                        <a:alpha val="80000"/>
+                      </a:srgbClr>
+                    </a:solidFill>
+                  </a:tcPr>
+                </a:tc>
+                <a:tc>
+                  <a:txBody>
+                    <a:bodyPr/>
+                    <a:lstStyle/>
+                    <a:p>
+                      <a:pPr algn="l"/>
+                      <a:endParaRPr lang="fr-FR" sz="1200" b="0" dirty="0"/>
+                    </a:p>
+                  </a:txBody>
+                  <a:tcPr marL="55572" marR="55572" marT="27786" marB="27786" anchor="ctr">
+                    <a:lnL w="12700" cap="flat" cmpd="sng" algn="ctr">
+                      <a:solidFill>
+                        <a:schemeClr val="tx1"/>
+                      </a:solidFill>
+                      <a:prstDash val="solid"/>
+                      <a:round/>
+                      <a:headEnd type="none" w="med" len="med"/>
+                      <a:tailEnd type="none" w="med" len="med"/>
+                    </a:lnL>
+                    <a:solidFill>
+                      <a:srgbClr val="FFFFFF">
+                        <a:alpha val="80000"/>
+                      </a:srgbClr>
+                    </a:solidFill>
+                  </a:tcPr>
+                </a:tc>
+                <a:extLst>
+                  <a:ext uri="{0D108BD9-81ED-4DB2-BD59-A6C34878D82A}">
+                    <a16:rowId xmlns:a16="http://schemas.microsoft.com/office/drawing/2014/main" val="3254712171"/>
+                  </a:ext>
+                </a:extLst>
+              </a:tr>
+              <a:tr h="432000">
+                <a:tc>
+                  <a:txBody>
+                    <a:bodyPr/>
+                    <a:lstStyle/>
+                    <a:p>
+                      <a:pPr algn="l"/>
+                      <a:endParaRPr lang="fr-FR" sz="1200" b="0" dirty="0"/>
+                    </a:p>
+                  </a:txBody>
+                  <a:tcPr marL="55572" marR="55572" marT="27786" marB="27786" anchor="ctr">
+                    <a:lnR w="12700" cap="flat" cmpd="sng" algn="ctr">
+                      <a:solidFill>
+                        <a:schemeClr val="tx1"/>
+                      </a:solidFill>
+                      <a:prstDash val="solid"/>
+                      <a:round/>
+                      <a:headEnd type="none" w="med" len="med"/>
+                      <a:tailEnd type="none" w="med" len="med"/>
+                    </a:lnR>
+                    <a:solidFill>
                       <a:schemeClr val="bg1"/>
+                    </a:solidFill>
+                  </a:tcPr>
+                </a:tc>
+                <a:tc>
+                  <a:txBody>
+                    <a:bodyPr/>
+                    <a:lstStyle/>
+                    <a:p>
+                      <a:pPr algn="l"/>
+                      <a:endParaRPr lang="fr-FR" sz="1200" b="0" dirty="0"/>
+                    </a:p>
+                  </a:txBody>
+                  <a:tcPr marL="55572" marR="55572" marT="27786" marB="27786" anchor="ctr">
+                    <a:lnL w="12700" cap="flat" cmpd="sng" algn="ctr">
+                      <a:solidFill>
+                        <a:schemeClr val="tx1"/>
+                      </a:solidFill>
+                      <a:prstDash val="solid"/>
+                      <a:round/>
+                      <a:headEnd type="none" w="med" len="med"/>
+                      <a:tailEnd type="none" w="med" len="med"/>
+                    </a:lnL>
+                    <a:lnR w="12700" cap="flat" cmpd="sng" algn="ctr">
+                      <a:solidFill>
+                        <a:schemeClr val="tx1"/>
+                      </a:solidFill>
+                      <a:prstDash val="solid"/>
+                      <a:round/>
+                      <a:headEnd type="none" w="med" len="med"/>
+                      <a:tailEnd type="none" w="med" len="med"/>
+                    </a:lnR>
+                    <a:solidFill>
+                      <a:srgbClr val="FFFFFF">
+                        <a:alpha val="80000"/>
+                      </a:srgbClr>
                     </a:solidFill>
                   </a:tcPr>
                 </a:tc>
@@ -5308,7 +5962,7 @@
                   </a:ext>
                 </a:extLst>
               </a:tr>
-              <a:tr h="470222">
+              <a:tr h="432000">
                 <a:tc>
                   <a:txBody>
                     <a:bodyPr/>
@@ -5454,6 +6108,41 @@
                       <a:headEnd type="none" w="med" len="med"/>
                       <a:tailEnd type="none" w="med" len="med"/>
                     </a:lnL>
+                    <a:lnR w="12700" cap="flat" cmpd="sng" algn="ctr">
+                      <a:solidFill>
+                        <a:schemeClr val="tx1"/>
+                      </a:solidFill>
+                      <a:prstDash val="solid"/>
+                      <a:round/>
+                      <a:headEnd type="none" w="med" len="med"/>
+                      <a:tailEnd type="none" w="med" len="med"/>
+                    </a:lnR>
+                    <a:solidFill>
+                      <a:srgbClr val="FFFFFF">
+                        <a:alpha val="80000"/>
+                      </a:srgbClr>
+                    </a:solidFill>
+                  </a:tcPr>
+                </a:tc>
+                <a:tc>
+                  <a:txBody>
+                    <a:bodyPr/>
+                    <a:lstStyle/>
+                    <a:p>
+                      <a:pPr algn="l"/>
+                      <a:endParaRPr lang="fr-FR" sz="1200" b="0" dirty="0"/>
+                    </a:p>
+                  </a:txBody>
+                  <a:tcPr marL="55572" marR="55572" marT="27786" marB="27786" anchor="ctr">
+                    <a:lnL w="12700" cap="flat" cmpd="sng" algn="ctr">
+                      <a:solidFill>
+                        <a:schemeClr val="tx1"/>
+                      </a:solidFill>
+                      <a:prstDash val="solid"/>
+                      <a:round/>
+                      <a:headEnd type="none" w="med" len="med"/>
+                      <a:tailEnd type="none" w="med" len="med"/>
+                    </a:lnL>
                     <a:solidFill>
                       <a:srgbClr val="FFFFFF">
                         <a:alpha val="80000"/>
@@ -5467,7 +6156,7 @@
                   </a:ext>
                 </a:extLst>
               </a:tr>
-              <a:tr h="470222">
+              <a:tr h="432000">
                 <a:tc>
                   <a:txBody>
                     <a:bodyPr/>
@@ -5613,6 +6302,41 @@
                       <a:headEnd type="none" w="med" len="med"/>
                       <a:tailEnd type="none" w="med" len="med"/>
                     </a:lnL>
+                    <a:lnR w="12700" cap="flat" cmpd="sng" algn="ctr">
+                      <a:solidFill>
+                        <a:schemeClr val="tx1"/>
+                      </a:solidFill>
+                      <a:prstDash val="solid"/>
+                      <a:round/>
+                      <a:headEnd type="none" w="med" len="med"/>
+                      <a:tailEnd type="none" w="med" len="med"/>
+                    </a:lnR>
+                    <a:solidFill>
+                      <a:srgbClr val="FFFFFF">
+                        <a:alpha val="80000"/>
+                      </a:srgbClr>
+                    </a:solidFill>
+                  </a:tcPr>
+                </a:tc>
+                <a:tc>
+                  <a:txBody>
+                    <a:bodyPr/>
+                    <a:lstStyle/>
+                    <a:p>
+                      <a:pPr algn="l"/>
+                      <a:endParaRPr lang="fr-FR" sz="1200" b="0" dirty="0"/>
+                    </a:p>
+                  </a:txBody>
+                  <a:tcPr marL="55572" marR="55572" marT="27786" marB="27786" anchor="ctr">
+                    <a:lnL w="12700" cap="flat" cmpd="sng" algn="ctr">
+                      <a:solidFill>
+                        <a:schemeClr val="tx1"/>
+                      </a:solidFill>
+                      <a:prstDash val="solid"/>
+                      <a:round/>
+                      <a:headEnd type="none" w="med" len="med"/>
+                      <a:tailEnd type="none" w="med" len="med"/>
+                    </a:lnL>
                     <a:solidFill>
                       <a:srgbClr val="FFFFFF">
                         <a:alpha val="80000"/>
@@ -5626,7 +6350,7 @@
                   </a:ext>
                 </a:extLst>
               </a:tr>
-              <a:tr h="470222">
+              <a:tr h="432000">
                 <a:tc>
                   <a:txBody>
                     <a:bodyPr/>
@@ -5772,6 +6496,41 @@
                       <a:headEnd type="none" w="med" len="med"/>
                       <a:tailEnd type="none" w="med" len="med"/>
                     </a:lnL>
+                    <a:lnR w="12700" cap="flat" cmpd="sng" algn="ctr">
+                      <a:solidFill>
+                        <a:schemeClr val="tx1"/>
+                      </a:solidFill>
+                      <a:prstDash val="solid"/>
+                      <a:round/>
+                      <a:headEnd type="none" w="med" len="med"/>
+                      <a:tailEnd type="none" w="med" len="med"/>
+                    </a:lnR>
+                    <a:solidFill>
+                      <a:srgbClr val="FFFFFF">
+                        <a:alpha val="80000"/>
+                      </a:srgbClr>
+                    </a:solidFill>
+                  </a:tcPr>
+                </a:tc>
+                <a:tc>
+                  <a:txBody>
+                    <a:bodyPr/>
+                    <a:lstStyle/>
+                    <a:p>
+                      <a:pPr algn="l"/>
+                      <a:endParaRPr lang="fr-FR" sz="1200" b="0" dirty="0"/>
+                    </a:p>
+                  </a:txBody>
+                  <a:tcPr marL="55572" marR="55572" marT="27786" marB="27786" anchor="ctr">
+                    <a:lnL w="12700" cap="flat" cmpd="sng" algn="ctr">
+                      <a:solidFill>
+                        <a:schemeClr val="tx1"/>
+                      </a:solidFill>
+                      <a:prstDash val="solid"/>
+                      <a:round/>
+                      <a:headEnd type="none" w="med" len="med"/>
+                      <a:tailEnd type="none" w="med" len="med"/>
+                    </a:lnL>
                     <a:solidFill>
                       <a:srgbClr val="FFFFFF">
                         <a:alpha val="80000"/>
@@ -5785,7 +6544,7 @@
                   </a:ext>
                 </a:extLst>
               </a:tr>
-              <a:tr h="470222">
+              <a:tr h="432000">
                 <a:tc>
                   <a:txBody>
                     <a:bodyPr/>
@@ -5937,6 +6696,39 @@
                       <a:headEnd type="none" w="med" len="med"/>
                       <a:tailEnd type="none" w="med" len="med"/>
                     </a:lnL>
+                    <a:lnR w="12700" cap="flat" cmpd="sng" algn="ctr">
+                      <a:solidFill>
+                        <a:schemeClr val="tx1"/>
+                      </a:solidFill>
+                      <a:prstDash val="solid"/>
+                      <a:round/>
+                      <a:headEnd type="none" w="med" len="med"/>
+                      <a:tailEnd type="none" w="med" len="med"/>
+                    </a:lnR>
+                    <a:solidFill>
+                      <a:schemeClr val="bg1"/>
+                    </a:solidFill>
+                  </a:tcPr>
+                </a:tc>
+                <a:tc>
+                  <a:txBody>
+                    <a:bodyPr/>
+                    <a:lstStyle/>
+                    <a:p>
+                      <a:pPr algn="l"/>
+                      <a:endParaRPr lang="fr-FR" sz="1200" b="0" dirty="0"/>
+                    </a:p>
+                  </a:txBody>
+                  <a:tcPr marL="55572" marR="55572" marT="27786" marB="27786" anchor="ctr">
+                    <a:lnL w="12700" cap="flat" cmpd="sng" algn="ctr">
+                      <a:solidFill>
+                        <a:schemeClr val="tx1"/>
+                      </a:solidFill>
+                      <a:prstDash val="solid"/>
+                      <a:round/>
+                      <a:headEnd type="none" w="med" len="med"/>
+                      <a:tailEnd type="none" w="med" len="med"/>
+                    </a:lnL>
                     <a:solidFill>
                       <a:schemeClr val="bg1"/>
                     </a:solidFill>
@@ -5948,7 +6740,7 @@
                   </a:ext>
                 </a:extLst>
               </a:tr>
-              <a:tr h="470222">
+              <a:tr h="432000">
                 <a:tc>
                   <a:txBody>
                     <a:bodyPr/>
@@ -6100,6 +6892,39 @@
                       <a:headEnd type="none" w="med" len="med"/>
                       <a:tailEnd type="none" w="med" len="med"/>
                     </a:lnL>
+                    <a:lnR w="12700" cap="flat" cmpd="sng" algn="ctr">
+                      <a:solidFill>
+                        <a:schemeClr val="tx1"/>
+                      </a:solidFill>
+                      <a:prstDash val="solid"/>
+                      <a:round/>
+                      <a:headEnd type="none" w="med" len="med"/>
+                      <a:tailEnd type="none" w="med" len="med"/>
+                    </a:lnR>
+                    <a:solidFill>
+                      <a:schemeClr val="bg1"/>
+                    </a:solidFill>
+                  </a:tcPr>
+                </a:tc>
+                <a:tc>
+                  <a:txBody>
+                    <a:bodyPr/>
+                    <a:lstStyle/>
+                    <a:p>
+                      <a:pPr algn="l"/>
+                      <a:endParaRPr lang="fr-FR" sz="1200" b="0" dirty="0"/>
+                    </a:p>
+                  </a:txBody>
+                  <a:tcPr marL="55572" marR="55572" marT="27786" marB="27786" anchor="ctr">
+                    <a:lnL w="12700" cap="flat" cmpd="sng" algn="ctr">
+                      <a:solidFill>
+                        <a:schemeClr val="tx1"/>
+                      </a:solidFill>
+                      <a:prstDash val="solid"/>
+                      <a:round/>
+                      <a:headEnd type="none" w="med" len="med"/>
+                      <a:tailEnd type="none" w="med" len="med"/>
+                    </a:lnL>
                     <a:solidFill>
                       <a:schemeClr val="bg1"/>
                     </a:solidFill>
@@ -6124,7 +6949,7 @@
           <p:nvPr>
             <p:extLst>
               <p:ext uri="{D42A27DB-BD31-4B8C-83A1-F6EECF244321}">
-                <p14:modId xmlns:p14="http://schemas.microsoft.com/office/powerpoint/2010/main" val="1685802609"/>
+                <p14:modId xmlns:p14="http://schemas.microsoft.com/office/powerpoint/2010/main" val="343023134"/>
               </p:ext>
             </p:extLst>
           </p:nvPr>
@@ -6240,7 +7065,7 @@
                       <a:pPr algn="ctr"/>
                       <a:r>
                         <a:rPr lang="fr-FR" sz="1400" b="1" dirty="0"/>
-                        <a:t>8:30</a:t>
+                        <a:t>8:15</a:t>
                       </a:r>
                     </a:p>
                   </a:txBody>
@@ -8312,4 +9137,299 @@
   <a:objectDefaults/>
   <a:extraClrSchemeLst/>
 </a:theme>
+</file>
+
+<file path=ppt/theme/theme2.xml><?xml version="1.0" encoding="utf-8"?>
+<a:theme xmlns:a="http://schemas.openxmlformats.org/drawingml/2006/main" name="Thème Office">
+  <a:themeElements>
+    <a:clrScheme name="Office">
+      <a:dk1>
+        <a:sysClr val="windowText" lastClr="000000"/>
+      </a:dk1>
+      <a:lt1>
+        <a:sysClr val="window" lastClr="FFFFFF"/>
+      </a:lt1>
+      <a:dk2>
+        <a:srgbClr val="44546A"/>
+      </a:dk2>
+      <a:lt2>
+        <a:srgbClr val="E7E6E6"/>
+      </a:lt2>
+      <a:accent1>
+        <a:srgbClr val="4472C4"/>
+      </a:accent1>
+      <a:accent2>
+        <a:srgbClr val="ED7D31"/>
+      </a:accent2>
+      <a:accent3>
+        <a:srgbClr val="A5A5A5"/>
+      </a:accent3>
+      <a:accent4>
+        <a:srgbClr val="FFC000"/>
+      </a:accent4>
+      <a:accent5>
+        <a:srgbClr val="5B9BD5"/>
+      </a:accent5>
+      <a:accent6>
+        <a:srgbClr val="70AD47"/>
+      </a:accent6>
+      <a:hlink>
+        <a:srgbClr val="0563C1"/>
+      </a:hlink>
+      <a:folHlink>
+        <a:srgbClr val="954F72"/>
+      </a:folHlink>
+    </a:clrScheme>
+    <a:fontScheme name="Office">
+      <a:majorFont>
+        <a:latin typeface="Calibri Light" panose="020F0302020204030204"/>
+        <a:ea typeface=""/>
+        <a:cs typeface=""/>
+        <a:font script="Jpan" typeface="游ゴシック Light"/>
+        <a:font script="Hang" typeface="맑은 고딕"/>
+        <a:font script="Hans" typeface="等线 Light"/>
+        <a:font script="Hant" typeface="新細明體"/>
+        <a:font script="Arab" typeface="Times New Roman"/>
+        <a:font script="Hebr" typeface="Times New Roman"/>
+        <a:font script="Thai" typeface="Angsana New"/>
+        <a:font script="Ethi" typeface="Nyala"/>
+        <a:font script="Beng" typeface="Vrinda"/>
+        <a:font script="Gujr" typeface="Shruti"/>
+        <a:font script="Khmr" typeface="MoolBoran"/>
+        <a:font script="Knda" typeface="Tunga"/>
+        <a:font script="Guru" typeface="Raavi"/>
+        <a:font script="Cans" typeface="Euphemia"/>
+        <a:font script="Cher" typeface="Plantagenet Cherokee"/>
+        <a:font script="Yiii" typeface="Microsoft Yi Baiti"/>
+        <a:font script="Tibt" typeface="Microsoft Himalaya"/>
+        <a:font script="Thaa" typeface="MV Boli"/>
+        <a:font script="Deva" typeface="Mangal"/>
+        <a:font script="Telu" typeface="Gautami"/>
+        <a:font script="Taml" typeface="Latha"/>
+        <a:font script="Syrc" typeface="Estrangelo Edessa"/>
+        <a:font script="Orya" typeface="Kalinga"/>
+        <a:font script="Mlym" typeface="Kartika"/>
+        <a:font script="Laoo" typeface="DokChampa"/>
+        <a:font script="Sinh" typeface="Iskoola Pota"/>
+        <a:font script="Mong" typeface="Mongolian Baiti"/>
+        <a:font script="Viet" typeface="Times New Roman"/>
+        <a:font script="Uigh" typeface="Microsoft Uighur"/>
+        <a:font script="Geor" typeface="Sylfaen"/>
+        <a:font script="Armn" typeface="Arial"/>
+        <a:font script="Bugi" typeface="Leelawadee UI"/>
+        <a:font script="Bopo" typeface="Microsoft JhengHei"/>
+        <a:font script="Java" typeface="Javanese Text"/>
+        <a:font script="Lisu" typeface="Segoe UI"/>
+        <a:font script="Mymr" typeface="Myanmar Text"/>
+        <a:font script="Nkoo" typeface="Ebrima"/>
+        <a:font script="Olck" typeface="Nirmala UI"/>
+        <a:font script="Osma" typeface="Ebrima"/>
+        <a:font script="Phag" typeface="Phagspa"/>
+        <a:font script="Syrn" typeface="Estrangelo Edessa"/>
+        <a:font script="Syrj" typeface="Estrangelo Edessa"/>
+        <a:font script="Syre" typeface="Estrangelo Edessa"/>
+        <a:font script="Sora" typeface="Nirmala UI"/>
+        <a:font script="Tale" typeface="Microsoft Tai Le"/>
+        <a:font script="Talu" typeface="Microsoft New Tai Lue"/>
+        <a:font script="Tfng" typeface="Ebrima"/>
+      </a:majorFont>
+      <a:minorFont>
+        <a:latin typeface="Calibri" panose="020F0502020204030204"/>
+        <a:ea typeface=""/>
+        <a:cs typeface=""/>
+        <a:font script="Jpan" typeface="游ゴシック"/>
+        <a:font script="Hang" typeface="맑은 고딕"/>
+        <a:font script="Hans" typeface="等线"/>
+        <a:font script="Hant" typeface="新細明體"/>
+        <a:font script="Arab" typeface="Arial"/>
+        <a:font script="Hebr" typeface="Arial"/>
+        <a:font script="Thai" typeface="Cordia New"/>
+        <a:font script="Ethi" typeface="Nyala"/>
+        <a:font script="Beng" typeface="Vrinda"/>
+        <a:font script="Gujr" typeface="Shruti"/>
+        <a:font script="Khmr" typeface="DaunPenh"/>
+        <a:font script="Knda" typeface="Tunga"/>
+        <a:font script="Guru" typeface="Raavi"/>
+        <a:font script="Cans" typeface="Euphemia"/>
+        <a:font script="Cher" typeface="Plantagenet Cherokee"/>
+        <a:font script="Yiii" typeface="Microsoft Yi Baiti"/>
+        <a:font script="Tibt" typeface="Microsoft Himalaya"/>
+        <a:font script="Thaa" typeface="MV Boli"/>
+        <a:font script="Deva" typeface="Mangal"/>
+        <a:font script="Telu" typeface="Gautami"/>
+        <a:font script="Taml" typeface="Latha"/>
+        <a:font script="Syrc" typeface="Estrangelo Edessa"/>
+        <a:font script="Orya" typeface="Kalinga"/>
+        <a:font script="Mlym" typeface="Kartika"/>
+        <a:font script="Laoo" typeface="DokChampa"/>
+        <a:font script="Sinh" typeface="Iskoola Pota"/>
+        <a:font script="Mong" typeface="Mongolian Baiti"/>
+        <a:font script="Viet" typeface="Arial"/>
+        <a:font script="Uigh" typeface="Microsoft Uighur"/>
+        <a:font script="Geor" typeface="Sylfaen"/>
+        <a:font script="Armn" typeface="Arial"/>
+        <a:font script="Bugi" typeface="Leelawadee UI"/>
+        <a:font script="Bopo" typeface="Microsoft JhengHei"/>
+        <a:font script="Java" typeface="Javanese Text"/>
+        <a:font script="Lisu" typeface="Segoe UI"/>
+        <a:font script="Mymr" typeface="Myanmar Text"/>
+        <a:font script="Nkoo" typeface="Ebrima"/>
+        <a:font script="Olck" typeface="Nirmala UI"/>
+        <a:font script="Osma" typeface="Ebrima"/>
+        <a:font script="Phag" typeface="Phagspa"/>
+        <a:font script="Syrn" typeface="Estrangelo Edessa"/>
+        <a:font script="Syrj" typeface="Estrangelo Edessa"/>
+        <a:font script="Syre" typeface="Estrangelo Edessa"/>
+        <a:font script="Sora" typeface="Nirmala UI"/>
+        <a:font script="Tale" typeface="Microsoft Tai Le"/>
+        <a:font script="Talu" typeface="Microsoft New Tai Lue"/>
+        <a:font script="Tfng" typeface="Ebrima"/>
+      </a:minorFont>
+    </a:fontScheme>
+    <a:fmtScheme name="Office">
+      <a:fillStyleLst>
+        <a:solidFill>
+          <a:schemeClr val="phClr"/>
+        </a:solidFill>
+        <a:gradFill rotWithShape="1">
+          <a:gsLst>
+            <a:gs pos="0">
+              <a:schemeClr val="phClr">
+                <a:lumMod val="110000"/>
+                <a:satMod val="105000"/>
+                <a:tint val="67000"/>
+              </a:schemeClr>
+            </a:gs>
+            <a:gs pos="50000">
+              <a:schemeClr val="phClr">
+                <a:lumMod val="105000"/>
+                <a:satMod val="103000"/>
+                <a:tint val="73000"/>
+              </a:schemeClr>
+            </a:gs>
+            <a:gs pos="100000">
+              <a:schemeClr val="phClr">
+                <a:lumMod val="105000"/>
+                <a:satMod val="109000"/>
+                <a:tint val="81000"/>
+              </a:schemeClr>
+            </a:gs>
+          </a:gsLst>
+          <a:lin ang="5400000" scaled="0"/>
+        </a:gradFill>
+        <a:gradFill rotWithShape="1">
+          <a:gsLst>
+            <a:gs pos="0">
+              <a:schemeClr val="phClr">
+                <a:satMod val="103000"/>
+                <a:lumMod val="102000"/>
+                <a:tint val="94000"/>
+              </a:schemeClr>
+            </a:gs>
+            <a:gs pos="50000">
+              <a:schemeClr val="phClr">
+                <a:satMod val="110000"/>
+                <a:lumMod val="100000"/>
+                <a:shade val="100000"/>
+              </a:schemeClr>
+            </a:gs>
+            <a:gs pos="100000">
+              <a:schemeClr val="phClr">
+                <a:lumMod val="99000"/>
+                <a:satMod val="120000"/>
+                <a:shade val="78000"/>
+              </a:schemeClr>
+            </a:gs>
+          </a:gsLst>
+          <a:lin ang="5400000" scaled="0"/>
+        </a:gradFill>
+      </a:fillStyleLst>
+      <a:lnStyleLst>
+        <a:ln w="6350" cap="flat" cmpd="sng" algn="ctr">
+          <a:solidFill>
+            <a:schemeClr val="phClr"/>
+          </a:solidFill>
+          <a:prstDash val="solid"/>
+          <a:miter lim="800000"/>
+        </a:ln>
+        <a:ln w="12700" cap="flat" cmpd="sng" algn="ctr">
+          <a:solidFill>
+            <a:schemeClr val="phClr"/>
+          </a:solidFill>
+          <a:prstDash val="solid"/>
+          <a:miter lim="800000"/>
+        </a:ln>
+        <a:ln w="19050" cap="flat" cmpd="sng" algn="ctr">
+          <a:solidFill>
+            <a:schemeClr val="phClr"/>
+          </a:solidFill>
+          <a:prstDash val="solid"/>
+          <a:miter lim="800000"/>
+        </a:ln>
+      </a:lnStyleLst>
+      <a:effectStyleLst>
+        <a:effectStyle>
+          <a:effectLst/>
+        </a:effectStyle>
+        <a:effectStyle>
+          <a:effectLst/>
+        </a:effectStyle>
+        <a:effectStyle>
+          <a:effectLst>
+            <a:outerShdw blurRad="57150" dist="19050" dir="5400000" algn="ctr" rotWithShape="0">
+              <a:srgbClr val="000000">
+                <a:alpha val="63000"/>
+              </a:srgbClr>
+            </a:outerShdw>
+          </a:effectLst>
+        </a:effectStyle>
+      </a:effectStyleLst>
+      <a:bgFillStyleLst>
+        <a:solidFill>
+          <a:schemeClr val="phClr"/>
+        </a:solidFill>
+        <a:solidFill>
+          <a:schemeClr val="phClr">
+            <a:tint val="95000"/>
+            <a:satMod val="170000"/>
+          </a:schemeClr>
+        </a:solidFill>
+        <a:gradFill rotWithShape="1">
+          <a:gsLst>
+            <a:gs pos="0">
+              <a:schemeClr val="phClr">
+                <a:tint val="93000"/>
+                <a:satMod val="150000"/>
+                <a:shade val="98000"/>
+                <a:lumMod val="102000"/>
+              </a:schemeClr>
+            </a:gs>
+            <a:gs pos="50000">
+              <a:schemeClr val="phClr">
+                <a:tint val="98000"/>
+                <a:satMod val="130000"/>
+                <a:shade val="90000"/>
+                <a:lumMod val="103000"/>
+              </a:schemeClr>
+            </a:gs>
+            <a:gs pos="100000">
+              <a:schemeClr val="phClr">
+                <a:shade val="63000"/>
+                <a:satMod val="120000"/>
+              </a:schemeClr>
+            </a:gs>
+          </a:gsLst>
+          <a:lin ang="5400000" scaled="0"/>
+        </a:gradFill>
+      </a:bgFillStyleLst>
+    </a:fmtScheme>
+  </a:themeElements>
+  <a:objectDefaults/>
+  <a:extraClrSchemeLst/>
+  <a:extLst>
+    <a:ext uri="{05A4C25C-085E-4340-85A3-A5531E510DB2}">
+      <thm15:themeFamily xmlns:thm15="http://schemas.microsoft.com/office/thememl/2012/main" name="Office Theme" id="{62F939B6-93AF-4DB8-9C6B-D6C7DFDC589F}" vid="{4A3C46E8-61CC-4603-A589-7422A47A8E4A}"/>
+    </a:ext>
+  </a:extLst>
+</a:theme>
 </file>
--- a/D2 - Lineup - home 11h.pptx
+++ b/D2 - Lineup - home 11h.pptx
@@ -208,7 +208,7 @@
           <a:p>
             <a:fld id="{28007563-0749-4524-8201-942FBA33D59D}" type="datetimeFigureOut">
               <a:rPr lang="fr-FR" smtClean="0"/>
-              <a:t>04/03/2020</a:t>
+              <a:t>10/03/2020</a:t>
             </a:fld>
             <a:endParaRPr lang="fr-FR"/>
           </a:p>
@@ -655,7 +655,7 @@
             <a:fld id="{1D8BD707-D9CF-40AE-B4C6-C98DA3205C09}" type="datetimeFigureOut">
               <a:rPr lang="en-US" smtClean="0"/>
               <a:pPr/>
-              <a:t>3/4/2020</a:t>
+              <a:t>3/10/2020</a:t>
             </a:fld>
             <a:endParaRPr lang="en-US"/>
           </a:p>
@@ -820,7 +820,7 @@
             <a:fld id="{1D8BD707-D9CF-40AE-B4C6-C98DA3205C09}" type="datetimeFigureOut">
               <a:rPr lang="en-US" smtClean="0"/>
               <a:pPr/>
-              <a:t>3/4/2020</a:t>
+              <a:t>3/10/2020</a:t>
             </a:fld>
             <a:endParaRPr lang="en-US"/>
           </a:p>
@@ -995,7 +995,7 @@
             <a:fld id="{1D8BD707-D9CF-40AE-B4C6-C98DA3205C09}" type="datetimeFigureOut">
               <a:rPr lang="en-US" smtClean="0"/>
               <a:pPr/>
-              <a:t>3/4/2020</a:t>
+              <a:t>3/10/2020</a:t>
             </a:fld>
             <a:endParaRPr lang="en-US"/>
           </a:p>
@@ -1160,7 +1160,7 @@
             <a:fld id="{1D8BD707-D9CF-40AE-B4C6-C98DA3205C09}" type="datetimeFigureOut">
               <a:rPr lang="en-US" smtClean="0"/>
               <a:pPr/>
-              <a:t>3/4/2020</a:t>
+              <a:t>3/10/2020</a:t>
             </a:fld>
             <a:endParaRPr lang="en-US"/>
           </a:p>
@@ -1402,7 +1402,7 @@
             <a:fld id="{1D8BD707-D9CF-40AE-B4C6-C98DA3205C09}" type="datetimeFigureOut">
               <a:rPr lang="en-US" smtClean="0"/>
               <a:pPr/>
-              <a:t>3/4/2020</a:t>
+              <a:t>3/10/2020</a:t>
             </a:fld>
             <a:endParaRPr lang="en-US"/>
           </a:p>
@@ -1684,7 +1684,7 @@
             <a:fld id="{1D8BD707-D9CF-40AE-B4C6-C98DA3205C09}" type="datetimeFigureOut">
               <a:rPr lang="en-US" smtClean="0"/>
               <a:pPr/>
-              <a:t>3/4/2020</a:t>
+              <a:t>3/10/2020</a:t>
             </a:fld>
             <a:endParaRPr lang="en-US"/>
           </a:p>
@@ -2100,7 +2100,7 @@
             <a:fld id="{1D8BD707-D9CF-40AE-B4C6-C98DA3205C09}" type="datetimeFigureOut">
               <a:rPr lang="en-US" smtClean="0"/>
               <a:pPr/>
-              <a:t>3/4/2020</a:t>
+              <a:t>3/10/2020</a:t>
             </a:fld>
             <a:endParaRPr lang="en-US"/>
           </a:p>
@@ -2214,7 +2214,7 @@
             <a:fld id="{1D8BD707-D9CF-40AE-B4C6-C98DA3205C09}" type="datetimeFigureOut">
               <a:rPr lang="en-US" smtClean="0"/>
               <a:pPr/>
-              <a:t>3/4/2020</a:t>
+              <a:t>3/10/2020</a:t>
             </a:fld>
             <a:endParaRPr lang="en-US"/>
           </a:p>
@@ -2306,7 +2306,7 @@
             <a:fld id="{1D8BD707-D9CF-40AE-B4C6-C98DA3205C09}" type="datetimeFigureOut">
               <a:rPr lang="en-US" smtClean="0"/>
               <a:pPr/>
-              <a:t>3/4/2020</a:t>
+              <a:t>3/10/2020</a:t>
             </a:fld>
             <a:endParaRPr lang="en-US"/>
           </a:p>
@@ -2578,7 +2578,7 @@
             <a:fld id="{1D8BD707-D9CF-40AE-B4C6-C98DA3205C09}" type="datetimeFigureOut">
               <a:rPr lang="en-US" smtClean="0"/>
               <a:pPr/>
-              <a:t>3/4/2020</a:t>
+              <a:t>3/10/2020</a:t>
             </a:fld>
             <a:endParaRPr lang="en-US"/>
           </a:p>
@@ -2827,7 +2827,7 @@
             <a:fld id="{1D8BD707-D9CF-40AE-B4C6-C98DA3205C09}" type="datetimeFigureOut">
               <a:rPr lang="en-US" smtClean="0"/>
               <a:pPr/>
-              <a:t>3/4/2020</a:t>
+              <a:t>3/10/2020</a:t>
             </a:fld>
             <a:endParaRPr lang="en-US"/>
           </a:p>
@@ -3035,7 +3035,7 @@
             <a:fld id="{1D8BD707-D9CF-40AE-B4C6-C98DA3205C09}" type="datetimeFigureOut">
               <a:rPr lang="en-US" smtClean="0"/>
               <a:pPr/>
-              <a:t>3/4/2020</a:t>
+              <a:t>3/10/2020</a:t>
             </a:fld>
             <a:endParaRPr lang="en-US"/>
           </a:p>
@@ -3415,7 +3415,7 @@
           <p:nvPr>
             <p:extLst>
               <p:ext uri="{D42A27DB-BD31-4B8C-83A1-F6EECF244321}">
-                <p14:modId xmlns:p14="http://schemas.microsoft.com/office/powerpoint/2010/main" val="1836634376"/>
+                <p14:modId xmlns:p14="http://schemas.microsoft.com/office/powerpoint/2010/main" val="749266457"/>
               </p:ext>
             </p:extLst>
           </p:nvPr>
@@ -3982,14 +3982,11 @@
                     <a:lstStyle/>
                     <a:p>
                       <a:pPr algn="ctr"/>
-                      <a:r>
-                        <a:rPr lang="fr-FR" sz="1200" b="1" dirty="0">
-                          <a:solidFill>
-                            <a:schemeClr val="tx1"/>
-                          </a:solidFill>
-                        </a:rPr>
-                        <a:t>SENART</a:t>
-                      </a:r>
+                      <a:endParaRPr lang="fr-FR" sz="1200" b="1" dirty="0">
+                        <a:solidFill>
+                          <a:schemeClr val="tx1"/>
+                        </a:solidFill>
+                      </a:endParaRPr>
                     </a:p>
                   </a:txBody>
                   <a:tcPr anchor="ctr">
@@ -4203,1057 +4200,6 @@
                 <a:extLst>
                   <a:ext uri="{0D108BD9-81ED-4DB2-BD59-A6C34878D82A}">
                     <a16:rowId xmlns:a16="http://schemas.microsoft.com/office/drawing/2014/main" val="10002"/>
-                  </a:ext>
-                </a:extLst>
-              </a:tr>
-            </a:tbl>
-          </a:graphicData>
-        </a:graphic>
-      </p:graphicFrame>
-      <p:pic>
-        <p:nvPicPr>
-          <p:cNvPr id="21" name="Picture 4" descr="D:\A352189\Documentation projet\Baseball\img baseball\CLUB-SenartTempliers.jpg"/>
-          <p:cNvPicPr>
-            <a:picLocks noChangeAspect="1" noChangeArrowheads="1"/>
-          </p:cNvPicPr>
-          <p:nvPr/>
-        </p:nvPicPr>
-        <p:blipFill>
-          <a:blip r:embed="rId2" cstate="print"/>
-          <a:srcRect/>
-          <a:stretch>
-            <a:fillRect/>
-          </a:stretch>
-        </p:blipFill>
-        <p:spPr bwMode="auto">
-          <a:xfrm>
-            <a:off x="1304272" y="6705600"/>
-            <a:ext cx="1896128" cy="1765236"/>
-          </a:xfrm>
-          <a:prstGeom prst="rect">
-            <a:avLst/>
-          </a:prstGeom>
-          <a:noFill/>
-        </p:spPr>
-      </p:pic>
-      <p:graphicFrame>
-        <p:nvGraphicFramePr>
-          <p:cNvPr id="14" name="Tableau 13"/>
-          <p:cNvGraphicFramePr>
-            <a:graphicFrameLocks noGrp="1"/>
-          </p:cNvGraphicFramePr>
-          <p:nvPr>
-            <p:extLst>
-              <p:ext uri="{D42A27DB-BD31-4B8C-83A1-F6EECF244321}">
-                <p14:modId xmlns:p14="http://schemas.microsoft.com/office/powerpoint/2010/main" val="2898915700"/>
-              </p:ext>
-            </p:extLst>
-          </p:nvPr>
-        </p:nvGraphicFramePr>
-        <p:xfrm>
-          <a:off x="152400" y="5410200"/>
-          <a:ext cx="4114800" cy="3960000"/>
-        </p:xfrm>
-        <a:graphic>
-          <a:graphicData uri="http://schemas.openxmlformats.org/drawingml/2006/table">
-            <a:tbl>
-              <a:tblPr firstRow="1" bandRow="1">
-                <a:solidFill>
-                  <a:srgbClr val="FFFFFF">
-                    <a:alpha val="40000"/>
-                  </a:srgbClr>
-                </a:solidFill>
-                <a:tableStyleId>{7E9639D4-E3E2-4D34-9284-5A2195B3D0D7}</a:tableStyleId>
-              </a:tblPr>
-              <a:tblGrid>
-                <a:gridCol w="483670">
-                  <a:extLst>
-                    <a:ext uri="{9D8B030D-6E8A-4147-A177-3AD203B41FA5}">
-                      <a16:colId xmlns:a16="http://schemas.microsoft.com/office/drawing/2014/main" val="20000"/>
-                    </a:ext>
-                  </a:extLst>
-                </a:gridCol>
-                <a:gridCol w="2716730">
-                  <a:extLst>
-                    <a:ext uri="{9D8B030D-6E8A-4147-A177-3AD203B41FA5}">
-                      <a16:colId xmlns:a16="http://schemas.microsoft.com/office/drawing/2014/main" val="20001"/>
-                    </a:ext>
-                  </a:extLst>
-                </a:gridCol>
-                <a:gridCol w="457200">
-                  <a:extLst>
-                    <a:ext uri="{9D8B030D-6E8A-4147-A177-3AD203B41FA5}">
-                      <a16:colId xmlns:a16="http://schemas.microsoft.com/office/drawing/2014/main" val="20002"/>
-                    </a:ext>
-                  </a:extLst>
-                </a:gridCol>
-                <a:gridCol w="457200">
-                  <a:extLst>
-                    <a:ext uri="{9D8B030D-6E8A-4147-A177-3AD203B41FA5}">
-                      <a16:colId xmlns:a16="http://schemas.microsoft.com/office/drawing/2014/main" val="20003"/>
-                    </a:ext>
-                  </a:extLst>
-                </a:gridCol>
-              </a:tblGrid>
-              <a:tr h="360000">
-                <a:tc>
-                  <a:txBody>
-                    <a:bodyPr/>
-                    <a:lstStyle/>
-                    <a:p>
-                      <a:endParaRPr lang="fr-FR" sz="1400" b="1" dirty="0">
-                        <a:solidFill>
-                          <a:schemeClr val="tx1"/>
-                        </a:solidFill>
-                      </a:endParaRPr>
-                    </a:p>
-                  </a:txBody>
-                  <a:tcPr anchor="ctr">
-                    <a:solidFill>
-                      <a:srgbClr val="7CC2ED"/>
-                    </a:solidFill>
-                  </a:tcPr>
-                </a:tc>
-                <a:tc>
-                  <a:txBody>
-                    <a:bodyPr/>
-                    <a:lstStyle/>
-                    <a:p>
-                      <a:pPr algn="ctr"/>
-                      <a:endParaRPr lang="fr-FR" sz="1400" b="1" dirty="0">
-                        <a:solidFill>
-                          <a:schemeClr val="tx1"/>
-                        </a:solidFill>
-                      </a:endParaRPr>
-                    </a:p>
-                  </a:txBody>
-                  <a:tcPr anchor="ctr">
-                    <a:solidFill>
-                      <a:srgbClr val="7CC2ED"/>
-                    </a:solidFill>
-                  </a:tcPr>
-                </a:tc>
-                <a:tc>
-                  <a:txBody>
-                    <a:bodyPr/>
-                    <a:lstStyle/>
-                    <a:p>
-                      <a:pPr algn="ctr"/>
-                      <a:r>
-                        <a:rPr lang="fr-FR" sz="1400" b="1" dirty="0">
-                          <a:solidFill>
-                            <a:schemeClr val="tx1"/>
-                          </a:solidFill>
-                        </a:rPr>
-                        <a:t>P</a:t>
-                      </a:r>
-                    </a:p>
-                  </a:txBody>
-                  <a:tcPr anchor="ctr">
-                    <a:solidFill>
-                      <a:srgbClr val="7CC2ED"/>
-                    </a:solidFill>
-                  </a:tcPr>
-                </a:tc>
-                <a:tc>
-                  <a:txBody>
-                    <a:bodyPr/>
-                    <a:lstStyle/>
-                    <a:p>
-                      <a:pPr algn="ctr"/>
-                      <a:r>
-                        <a:rPr lang="fr-FR" sz="1400" b="1" dirty="0">
-                          <a:solidFill>
-                            <a:schemeClr val="tx1"/>
-                          </a:solidFill>
-                        </a:rPr>
-                        <a:t>#</a:t>
-                      </a:r>
-                    </a:p>
-                  </a:txBody>
-                  <a:tcPr anchor="ctr">
-                    <a:solidFill>
-                      <a:srgbClr val="7CC2ED"/>
-                    </a:solidFill>
-                  </a:tcPr>
-                </a:tc>
-                <a:extLst>
-                  <a:ext uri="{0D108BD9-81ED-4DB2-BD59-A6C34878D82A}">
-                    <a16:rowId xmlns:a16="http://schemas.microsoft.com/office/drawing/2014/main" val="10000"/>
-                  </a:ext>
-                </a:extLst>
-              </a:tr>
-              <a:tr h="360000">
-                <a:tc>
-                  <a:txBody>
-                    <a:bodyPr/>
-                    <a:lstStyle/>
-                    <a:p>
-                      <a:pPr algn="ctr"/>
-                      <a:r>
-                        <a:rPr lang="fr-FR" sz="1400" b="1" dirty="0"/>
-                        <a:t>1</a:t>
-                      </a:r>
-                    </a:p>
-                  </a:txBody>
-                  <a:tcPr anchor="ctr">
-                    <a:solidFill>
-                      <a:srgbClr val="FFFFFF">
-                        <a:alpha val="69804"/>
-                      </a:srgbClr>
-                    </a:solidFill>
-                  </a:tcPr>
-                </a:tc>
-                <a:tc>
-                  <a:txBody>
-                    <a:bodyPr/>
-                    <a:lstStyle/>
-                    <a:p>
-                      <a:endParaRPr lang="fr-FR" sz="1400" dirty="0"/>
-                    </a:p>
-                  </a:txBody>
-                  <a:tcPr anchor="ctr">
-                    <a:solidFill>
-                      <a:srgbClr val="FFFFFF">
-                        <a:alpha val="69804"/>
-                      </a:srgbClr>
-                    </a:solidFill>
-                  </a:tcPr>
-                </a:tc>
-                <a:tc>
-                  <a:txBody>
-                    <a:bodyPr/>
-                    <a:lstStyle/>
-                    <a:p>
-                      <a:pPr algn="ctr"/>
-                      <a:endParaRPr lang="fr-FR" sz="1400" dirty="0"/>
-                    </a:p>
-                  </a:txBody>
-                  <a:tcPr anchor="ctr">
-                    <a:solidFill>
-                      <a:srgbClr val="FFFFFF">
-                        <a:alpha val="69804"/>
-                      </a:srgbClr>
-                    </a:solidFill>
-                  </a:tcPr>
-                </a:tc>
-                <a:tc>
-                  <a:txBody>
-                    <a:bodyPr/>
-                    <a:lstStyle/>
-                    <a:p>
-                      <a:pPr algn="ctr"/>
-                      <a:endParaRPr lang="fr-FR" sz="1400" b="1" dirty="0"/>
-                    </a:p>
-                  </a:txBody>
-                  <a:tcPr anchor="ctr">
-                    <a:lnR w="12700" cap="flat" cmpd="sng" algn="ctr">
-                      <a:solidFill>
-                        <a:schemeClr val="tx1"/>
-                      </a:solidFill>
-                      <a:prstDash val="solid"/>
-                      <a:round/>
-                      <a:headEnd type="none" w="med" len="med"/>
-                      <a:tailEnd type="none" w="med" len="med"/>
-                    </a:lnR>
-                    <a:solidFill>
-                      <a:srgbClr val="FFFFFF">
-                        <a:alpha val="69804"/>
-                      </a:srgbClr>
-                    </a:solidFill>
-                  </a:tcPr>
-                </a:tc>
-                <a:extLst>
-                  <a:ext uri="{0D108BD9-81ED-4DB2-BD59-A6C34878D82A}">
-                    <a16:rowId xmlns:a16="http://schemas.microsoft.com/office/drawing/2014/main" val="10001"/>
-                  </a:ext>
-                </a:extLst>
-              </a:tr>
-              <a:tr h="360000">
-                <a:tc>
-                  <a:txBody>
-                    <a:bodyPr/>
-                    <a:lstStyle/>
-                    <a:p>
-                      <a:pPr algn="ctr"/>
-                      <a:r>
-                        <a:rPr lang="fr-FR" sz="1400" b="1" dirty="0"/>
-                        <a:t>2</a:t>
-                      </a:r>
-                    </a:p>
-                  </a:txBody>
-                  <a:tcPr anchor="ctr">
-                    <a:solidFill>
-                      <a:srgbClr val="FFFFFF">
-                        <a:alpha val="69804"/>
-                      </a:srgbClr>
-                    </a:solidFill>
-                  </a:tcPr>
-                </a:tc>
-                <a:tc>
-                  <a:txBody>
-                    <a:bodyPr/>
-                    <a:lstStyle/>
-                    <a:p>
-                      <a:endParaRPr lang="fr-FR" sz="1400" dirty="0"/>
-                    </a:p>
-                  </a:txBody>
-                  <a:tcPr anchor="ctr">
-                    <a:solidFill>
-                      <a:srgbClr val="FFFFFF">
-                        <a:alpha val="69804"/>
-                      </a:srgbClr>
-                    </a:solidFill>
-                  </a:tcPr>
-                </a:tc>
-                <a:tc>
-                  <a:txBody>
-                    <a:bodyPr/>
-                    <a:lstStyle/>
-                    <a:p>
-                      <a:pPr algn="ctr"/>
-                      <a:endParaRPr lang="fr-FR" sz="1400" dirty="0"/>
-                    </a:p>
-                  </a:txBody>
-                  <a:tcPr anchor="ctr">
-                    <a:solidFill>
-                      <a:srgbClr val="FFFFFF">
-                        <a:alpha val="69804"/>
-                      </a:srgbClr>
-                    </a:solidFill>
-                  </a:tcPr>
-                </a:tc>
-                <a:tc>
-                  <a:txBody>
-                    <a:bodyPr/>
-                    <a:lstStyle/>
-                    <a:p>
-                      <a:pPr algn="ctr"/>
-                      <a:endParaRPr lang="fr-FR" sz="1400" b="1" dirty="0"/>
-                    </a:p>
-                  </a:txBody>
-                  <a:tcPr anchor="ctr">
-                    <a:lnR w="12700" cap="flat" cmpd="sng" algn="ctr">
-                      <a:solidFill>
-                        <a:schemeClr val="tx1"/>
-                      </a:solidFill>
-                      <a:prstDash val="solid"/>
-                      <a:round/>
-                      <a:headEnd type="none" w="med" len="med"/>
-                      <a:tailEnd type="none" w="med" len="med"/>
-                    </a:lnR>
-                    <a:solidFill>
-                      <a:srgbClr val="FFFFFF">
-                        <a:alpha val="69804"/>
-                      </a:srgbClr>
-                    </a:solidFill>
-                  </a:tcPr>
-                </a:tc>
-                <a:extLst>
-                  <a:ext uri="{0D108BD9-81ED-4DB2-BD59-A6C34878D82A}">
-                    <a16:rowId xmlns:a16="http://schemas.microsoft.com/office/drawing/2014/main" val="10002"/>
-                  </a:ext>
-                </a:extLst>
-              </a:tr>
-              <a:tr h="360000">
-                <a:tc>
-                  <a:txBody>
-                    <a:bodyPr/>
-                    <a:lstStyle/>
-                    <a:p>
-                      <a:pPr algn="ctr"/>
-                      <a:r>
-                        <a:rPr lang="fr-FR" sz="1400" b="1" dirty="0"/>
-                        <a:t>3</a:t>
-                      </a:r>
-                    </a:p>
-                  </a:txBody>
-                  <a:tcPr anchor="ctr">
-                    <a:solidFill>
-                      <a:srgbClr val="FFFFFF">
-                        <a:alpha val="69804"/>
-                      </a:srgbClr>
-                    </a:solidFill>
-                  </a:tcPr>
-                </a:tc>
-                <a:tc>
-                  <a:txBody>
-                    <a:bodyPr/>
-                    <a:lstStyle/>
-                    <a:p>
-                      <a:endParaRPr lang="fr-FR" sz="1400" dirty="0"/>
-                    </a:p>
-                  </a:txBody>
-                  <a:tcPr anchor="ctr">
-                    <a:solidFill>
-                      <a:srgbClr val="FFFFFF">
-                        <a:alpha val="69804"/>
-                      </a:srgbClr>
-                    </a:solidFill>
-                  </a:tcPr>
-                </a:tc>
-                <a:tc>
-                  <a:txBody>
-                    <a:bodyPr/>
-                    <a:lstStyle/>
-                    <a:p>
-                      <a:pPr algn="ctr"/>
-                      <a:endParaRPr lang="fr-FR" sz="1400" dirty="0"/>
-                    </a:p>
-                  </a:txBody>
-                  <a:tcPr anchor="ctr">
-                    <a:solidFill>
-                      <a:srgbClr val="FFFFFF">
-                        <a:alpha val="69804"/>
-                      </a:srgbClr>
-                    </a:solidFill>
-                  </a:tcPr>
-                </a:tc>
-                <a:tc>
-                  <a:txBody>
-                    <a:bodyPr/>
-                    <a:lstStyle/>
-                    <a:p>
-                      <a:pPr algn="ctr"/>
-                      <a:endParaRPr lang="fr-FR" sz="1400" b="1" dirty="0"/>
-                    </a:p>
-                  </a:txBody>
-                  <a:tcPr anchor="ctr">
-                    <a:lnR w="12700" cap="flat" cmpd="sng" algn="ctr">
-                      <a:solidFill>
-                        <a:schemeClr val="tx1"/>
-                      </a:solidFill>
-                      <a:prstDash val="solid"/>
-                      <a:round/>
-                      <a:headEnd type="none" w="med" len="med"/>
-                      <a:tailEnd type="none" w="med" len="med"/>
-                    </a:lnR>
-                    <a:solidFill>
-                      <a:srgbClr val="FFFFFF">
-                        <a:alpha val="69804"/>
-                      </a:srgbClr>
-                    </a:solidFill>
-                  </a:tcPr>
-                </a:tc>
-                <a:extLst>
-                  <a:ext uri="{0D108BD9-81ED-4DB2-BD59-A6C34878D82A}">
-                    <a16:rowId xmlns:a16="http://schemas.microsoft.com/office/drawing/2014/main" val="10003"/>
-                  </a:ext>
-                </a:extLst>
-              </a:tr>
-              <a:tr h="360000">
-                <a:tc>
-                  <a:txBody>
-                    <a:bodyPr/>
-                    <a:lstStyle/>
-                    <a:p>
-                      <a:pPr algn="ctr"/>
-                      <a:r>
-                        <a:rPr lang="fr-FR" sz="1400" b="1" dirty="0"/>
-                        <a:t>4</a:t>
-                      </a:r>
-                    </a:p>
-                  </a:txBody>
-                  <a:tcPr anchor="ctr">
-                    <a:solidFill>
-                      <a:srgbClr val="FFFFFF">
-                        <a:alpha val="69804"/>
-                      </a:srgbClr>
-                    </a:solidFill>
-                  </a:tcPr>
-                </a:tc>
-                <a:tc>
-                  <a:txBody>
-                    <a:bodyPr/>
-                    <a:lstStyle/>
-                    <a:p>
-                      <a:endParaRPr lang="fr-FR" sz="1400" dirty="0"/>
-                    </a:p>
-                  </a:txBody>
-                  <a:tcPr anchor="ctr">
-                    <a:solidFill>
-                      <a:srgbClr val="FFFFFF">
-                        <a:alpha val="69804"/>
-                      </a:srgbClr>
-                    </a:solidFill>
-                  </a:tcPr>
-                </a:tc>
-                <a:tc>
-                  <a:txBody>
-                    <a:bodyPr/>
-                    <a:lstStyle/>
-                    <a:p>
-                      <a:pPr algn="ctr"/>
-                      <a:endParaRPr lang="fr-FR" sz="1400" dirty="0"/>
-                    </a:p>
-                  </a:txBody>
-                  <a:tcPr anchor="ctr">
-                    <a:solidFill>
-                      <a:srgbClr val="FFFFFF">
-                        <a:alpha val="69804"/>
-                      </a:srgbClr>
-                    </a:solidFill>
-                  </a:tcPr>
-                </a:tc>
-                <a:tc>
-                  <a:txBody>
-                    <a:bodyPr/>
-                    <a:lstStyle/>
-                    <a:p>
-                      <a:pPr algn="ctr"/>
-                      <a:endParaRPr lang="fr-FR" sz="1400" b="1" dirty="0"/>
-                    </a:p>
-                  </a:txBody>
-                  <a:tcPr anchor="ctr">
-                    <a:lnR w="12700" cap="flat" cmpd="sng" algn="ctr">
-                      <a:solidFill>
-                        <a:schemeClr val="tx1"/>
-                      </a:solidFill>
-                      <a:prstDash val="solid"/>
-                      <a:round/>
-                      <a:headEnd type="none" w="med" len="med"/>
-                      <a:tailEnd type="none" w="med" len="med"/>
-                    </a:lnR>
-                    <a:solidFill>
-                      <a:srgbClr val="FFFFFF">
-                        <a:alpha val="69804"/>
-                      </a:srgbClr>
-                    </a:solidFill>
-                  </a:tcPr>
-                </a:tc>
-                <a:extLst>
-                  <a:ext uri="{0D108BD9-81ED-4DB2-BD59-A6C34878D82A}">
-                    <a16:rowId xmlns:a16="http://schemas.microsoft.com/office/drawing/2014/main" val="10004"/>
-                  </a:ext>
-                </a:extLst>
-              </a:tr>
-              <a:tr h="360000">
-                <a:tc>
-                  <a:txBody>
-                    <a:bodyPr/>
-                    <a:lstStyle/>
-                    <a:p>
-                      <a:pPr algn="ctr"/>
-                      <a:r>
-                        <a:rPr lang="fr-FR" sz="1400" b="1" dirty="0"/>
-                        <a:t>5</a:t>
-                      </a:r>
-                    </a:p>
-                  </a:txBody>
-                  <a:tcPr anchor="ctr">
-                    <a:solidFill>
-                      <a:srgbClr val="FFFFFF">
-                        <a:alpha val="69804"/>
-                      </a:srgbClr>
-                    </a:solidFill>
-                  </a:tcPr>
-                </a:tc>
-                <a:tc>
-                  <a:txBody>
-                    <a:bodyPr/>
-                    <a:lstStyle/>
-                    <a:p>
-                      <a:endParaRPr lang="fr-FR" sz="1400" dirty="0"/>
-                    </a:p>
-                  </a:txBody>
-                  <a:tcPr anchor="ctr">
-                    <a:solidFill>
-                      <a:srgbClr val="FFFFFF">
-                        <a:alpha val="69804"/>
-                      </a:srgbClr>
-                    </a:solidFill>
-                  </a:tcPr>
-                </a:tc>
-                <a:tc>
-                  <a:txBody>
-                    <a:bodyPr/>
-                    <a:lstStyle/>
-                    <a:p>
-                      <a:pPr algn="ctr"/>
-                      <a:endParaRPr lang="fr-FR" sz="1400" dirty="0"/>
-                    </a:p>
-                  </a:txBody>
-                  <a:tcPr anchor="ctr">
-                    <a:solidFill>
-                      <a:srgbClr val="FFFFFF">
-                        <a:alpha val="69804"/>
-                      </a:srgbClr>
-                    </a:solidFill>
-                  </a:tcPr>
-                </a:tc>
-                <a:tc>
-                  <a:txBody>
-                    <a:bodyPr/>
-                    <a:lstStyle/>
-                    <a:p>
-                      <a:pPr algn="ctr"/>
-                      <a:endParaRPr lang="fr-FR" sz="1400" b="1" dirty="0"/>
-                    </a:p>
-                  </a:txBody>
-                  <a:tcPr anchor="ctr">
-                    <a:lnR w="12700" cap="flat" cmpd="sng" algn="ctr">
-                      <a:solidFill>
-                        <a:schemeClr val="tx1"/>
-                      </a:solidFill>
-                      <a:prstDash val="solid"/>
-                      <a:round/>
-                      <a:headEnd type="none" w="med" len="med"/>
-                      <a:tailEnd type="none" w="med" len="med"/>
-                    </a:lnR>
-                    <a:solidFill>
-                      <a:srgbClr val="FFFFFF">
-                        <a:alpha val="69804"/>
-                      </a:srgbClr>
-                    </a:solidFill>
-                  </a:tcPr>
-                </a:tc>
-                <a:extLst>
-                  <a:ext uri="{0D108BD9-81ED-4DB2-BD59-A6C34878D82A}">
-                    <a16:rowId xmlns:a16="http://schemas.microsoft.com/office/drawing/2014/main" val="10005"/>
-                  </a:ext>
-                </a:extLst>
-              </a:tr>
-              <a:tr h="360000">
-                <a:tc>
-                  <a:txBody>
-                    <a:bodyPr/>
-                    <a:lstStyle/>
-                    <a:p>
-                      <a:pPr algn="ctr"/>
-                      <a:r>
-                        <a:rPr lang="fr-FR" sz="1400" b="1" dirty="0"/>
-                        <a:t>6</a:t>
-                      </a:r>
-                    </a:p>
-                  </a:txBody>
-                  <a:tcPr anchor="ctr">
-                    <a:solidFill>
-                      <a:srgbClr val="FFFFFF">
-                        <a:alpha val="69804"/>
-                      </a:srgbClr>
-                    </a:solidFill>
-                  </a:tcPr>
-                </a:tc>
-                <a:tc>
-                  <a:txBody>
-                    <a:bodyPr/>
-                    <a:lstStyle/>
-                    <a:p>
-                      <a:endParaRPr lang="fr-FR" sz="1400" dirty="0"/>
-                    </a:p>
-                  </a:txBody>
-                  <a:tcPr anchor="ctr">
-                    <a:solidFill>
-                      <a:srgbClr val="FFFFFF">
-                        <a:alpha val="69804"/>
-                      </a:srgbClr>
-                    </a:solidFill>
-                  </a:tcPr>
-                </a:tc>
-                <a:tc>
-                  <a:txBody>
-                    <a:bodyPr/>
-                    <a:lstStyle/>
-                    <a:p>
-                      <a:pPr algn="ctr"/>
-                      <a:endParaRPr lang="fr-FR" sz="1400" dirty="0"/>
-                    </a:p>
-                  </a:txBody>
-                  <a:tcPr anchor="ctr">
-                    <a:solidFill>
-                      <a:srgbClr val="FFFFFF">
-                        <a:alpha val="69804"/>
-                      </a:srgbClr>
-                    </a:solidFill>
-                  </a:tcPr>
-                </a:tc>
-                <a:tc>
-                  <a:txBody>
-                    <a:bodyPr/>
-                    <a:lstStyle/>
-                    <a:p>
-                      <a:pPr algn="ctr"/>
-                      <a:endParaRPr lang="fr-FR" sz="1400" b="1" dirty="0"/>
-                    </a:p>
-                  </a:txBody>
-                  <a:tcPr anchor="ctr">
-                    <a:lnR w="12700" cap="flat" cmpd="sng" algn="ctr">
-                      <a:solidFill>
-                        <a:schemeClr val="tx1"/>
-                      </a:solidFill>
-                      <a:prstDash val="solid"/>
-                      <a:round/>
-                      <a:headEnd type="none" w="med" len="med"/>
-                      <a:tailEnd type="none" w="med" len="med"/>
-                    </a:lnR>
-                    <a:solidFill>
-                      <a:srgbClr val="FFFFFF">
-                        <a:alpha val="69804"/>
-                      </a:srgbClr>
-                    </a:solidFill>
-                  </a:tcPr>
-                </a:tc>
-                <a:extLst>
-                  <a:ext uri="{0D108BD9-81ED-4DB2-BD59-A6C34878D82A}">
-                    <a16:rowId xmlns:a16="http://schemas.microsoft.com/office/drawing/2014/main" val="10006"/>
-                  </a:ext>
-                </a:extLst>
-              </a:tr>
-              <a:tr h="360000">
-                <a:tc>
-                  <a:txBody>
-                    <a:bodyPr/>
-                    <a:lstStyle/>
-                    <a:p>
-                      <a:pPr algn="ctr"/>
-                      <a:r>
-                        <a:rPr lang="fr-FR" sz="1400" b="1" dirty="0"/>
-                        <a:t>7</a:t>
-                      </a:r>
-                    </a:p>
-                  </a:txBody>
-                  <a:tcPr anchor="ctr">
-                    <a:solidFill>
-                      <a:srgbClr val="FFFFFF">
-                        <a:alpha val="69804"/>
-                      </a:srgbClr>
-                    </a:solidFill>
-                  </a:tcPr>
-                </a:tc>
-                <a:tc>
-                  <a:txBody>
-                    <a:bodyPr/>
-                    <a:lstStyle/>
-                    <a:p>
-                      <a:endParaRPr lang="fr-FR" sz="1400" dirty="0"/>
-                    </a:p>
-                  </a:txBody>
-                  <a:tcPr anchor="ctr">
-                    <a:solidFill>
-                      <a:srgbClr val="FFFFFF">
-                        <a:alpha val="69804"/>
-                      </a:srgbClr>
-                    </a:solidFill>
-                  </a:tcPr>
-                </a:tc>
-                <a:tc>
-                  <a:txBody>
-                    <a:bodyPr/>
-                    <a:lstStyle/>
-                    <a:p>
-                      <a:pPr algn="ctr"/>
-                      <a:endParaRPr lang="fr-FR" sz="1400" dirty="0"/>
-                    </a:p>
-                  </a:txBody>
-                  <a:tcPr anchor="ctr">
-                    <a:solidFill>
-                      <a:srgbClr val="FFFFFF">
-                        <a:alpha val="69804"/>
-                      </a:srgbClr>
-                    </a:solidFill>
-                  </a:tcPr>
-                </a:tc>
-                <a:tc>
-                  <a:txBody>
-                    <a:bodyPr/>
-                    <a:lstStyle/>
-                    <a:p>
-                      <a:pPr algn="ctr"/>
-                      <a:endParaRPr lang="fr-FR" sz="1400" b="1" dirty="0"/>
-                    </a:p>
-                  </a:txBody>
-                  <a:tcPr anchor="ctr">
-                    <a:lnR w="12700" cap="flat" cmpd="sng" algn="ctr">
-                      <a:solidFill>
-                        <a:schemeClr val="tx1"/>
-                      </a:solidFill>
-                      <a:prstDash val="solid"/>
-                      <a:round/>
-                      <a:headEnd type="none" w="med" len="med"/>
-                      <a:tailEnd type="none" w="med" len="med"/>
-                    </a:lnR>
-                    <a:solidFill>
-                      <a:srgbClr val="FFFFFF">
-                        <a:alpha val="69804"/>
-                      </a:srgbClr>
-                    </a:solidFill>
-                  </a:tcPr>
-                </a:tc>
-                <a:extLst>
-                  <a:ext uri="{0D108BD9-81ED-4DB2-BD59-A6C34878D82A}">
-                    <a16:rowId xmlns:a16="http://schemas.microsoft.com/office/drawing/2014/main" val="10007"/>
-                  </a:ext>
-                </a:extLst>
-              </a:tr>
-              <a:tr h="360000">
-                <a:tc>
-                  <a:txBody>
-                    <a:bodyPr/>
-                    <a:lstStyle/>
-                    <a:p>
-                      <a:pPr algn="ctr"/>
-                      <a:r>
-                        <a:rPr lang="fr-FR" sz="1400" b="1" dirty="0"/>
-                        <a:t>8</a:t>
-                      </a:r>
-                    </a:p>
-                  </a:txBody>
-                  <a:tcPr anchor="ctr">
-                    <a:solidFill>
-                      <a:srgbClr val="FFFFFF">
-                        <a:alpha val="69804"/>
-                      </a:srgbClr>
-                    </a:solidFill>
-                  </a:tcPr>
-                </a:tc>
-                <a:tc>
-                  <a:txBody>
-                    <a:bodyPr/>
-                    <a:lstStyle/>
-                    <a:p>
-                      <a:endParaRPr lang="fr-FR" sz="1400" dirty="0"/>
-                    </a:p>
-                  </a:txBody>
-                  <a:tcPr anchor="ctr">
-                    <a:solidFill>
-                      <a:srgbClr val="FFFFFF">
-                        <a:alpha val="69804"/>
-                      </a:srgbClr>
-                    </a:solidFill>
-                  </a:tcPr>
-                </a:tc>
-                <a:tc>
-                  <a:txBody>
-                    <a:bodyPr/>
-                    <a:lstStyle/>
-                    <a:p>
-                      <a:pPr algn="ctr"/>
-                      <a:endParaRPr lang="fr-FR" sz="1400" dirty="0"/>
-                    </a:p>
-                  </a:txBody>
-                  <a:tcPr anchor="ctr">
-                    <a:solidFill>
-                      <a:srgbClr val="FFFFFF">
-                        <a:alpha val="69804"/>
-                      </a:srgbClr>
-                    </a:solidFill>
-                  </a:tcPr>
-                </a:tc>
-                <a:tc>
-                  <a:txBody>
-                    <a:bodyPr/>
-                    <a:lstStyle/>
-                    <a:p>
-                      <a:pPr algn="ctr"/>
-                      <a:endParaRPr lang="fr-FR" sz="1400" b="1" dirty="0"/>
-                    </a:p>
-                  </a:txBody>
-                  <a:tcPr anchor="ctr">
-                    <a:lnR w="12700" cap="flat" cmpd="sng" algn="ctr">
-                      <a:solidFill>
-                        <a:schemeClr val="tx1"/>
-                      </a:solidFill>
-                      <a:prstDash val="solid"/>
-                      <a:round/>
-                      <a:headEnd type="none" w="med" len="med"/>
-                      <a:tailEnd type="none" w="med" len="med"/>
-                    </a:lnR>
-                    <a:solidFill>
-                      <a:srgbClr val="FFFFFF">
-                        <a:alpha val="69804"/>
-                      </a:srgbClr>
-                    </a:solidFill>
-                  </a:tcPr>
-                </a:tc>
-                <a:extLst>
-                  <a:ext uri="{0D108BD9-81ED-4DB2-BD59-A6C34878D82A}">
-                    <a16:rowId xmlns:a16="http://schemas.microsoft.com/office/drawing/2014/main" val="10008"/>
-                  </a:ext>
-                </a:extLst>
-              </a:tr>
-              <a:tr h="360000">
-                <a:tc>
-                  <a:txBody>
-                    <a:bodyPr/>
-                    <a:lstStyle/>
-                    <a:p>
-                      <a:pPr algn="ctr"/>
-                      <a:r>
-                        <a:rPr lang="fr-FR" sz="1400" b="1" dirty="0"/>
-                        <a:t>9</a:t>
-                      </a:r>
-                    </a:p>
-                  </a:txBody>
-                  <a:tcPr anchor="ctr">
-                    <a:solidFill>
-                      <a:srgbClr val="FFFFFF">
-                        <a:alpha val="69804"/>
-                      </a:srgbClr>
-                    </a:solidFill>
-                  </a:tcPr>
-                </a:tc>
-                <a:tc>
-                  <a:txBody>
-                    <a:bodyPr/>
-                    <a:lstStyle/>
-                    <a:p>
-                      <a:endParaRPr lang="fr-FR" sz="1400" dirty="0"/>
-                    </a:p>
-                  </a:txBody>
-                  <a:tcPr anchor="ctr">
-                    <a:solidFill>
-                      <a:srgbClr val="FFFFFF">
-                        <a:alpha val="69804"/>
-                      </a:srgbClr>
-                    </a:solidFill>
-                  </a:tcPr>
-                </a:tc>
-                <a:tc>
-                  <a:txBody>
-                    <a:bodyPr/>
-                    <a:lstStyle/>
-                    <a:p>
-                      <a:pPr algn="ctr"/>
-                      <a:endParaRPr lang="fr-FR" sz="1400" dirty="0"/>
-                    </a:p>
-                  </a:txBody>
-                  <a:tcPr anchor="ctr">
-                    <a:solidFill>
-                      <a:srgbClr val="FFFFFF">
-                        <a:alpha val="69804"/>
-                      </a:srgbClr>
-                    </a:solidFill>
-                  </a:tcPr>
-                </a:tc>
-                <a:tc>
-                  <a:txBody>
-                    <a:bodyPr/>
-                    <a:lstStyle/>
-                    <a:p>
-                      <a:pPr algn="ctr"/>
-                      <a:endParaRPr lang="fr-FR" sz="1400" b="1" dirty="0"/>
-                    </a:p>
-                  </a:txBody>
-                  <a:tcPr anchor="ctr">
-                    <a:lnR w="12700" cap="flat" cmpd="sng" algn="ctr">
-                      <a:solidFill>
-                        <a:schemeClr val="tx1"/>
-                      </a:solidFill>
-                      <a:prstDash val="solid"/>
-                      <a:round/>
-                      <a:headEnd type="none" w="med" len="med"/>
-                      <a:tailEnd type="none" w="med" len="med"/>
-                    </a:lnR>
-                    <a:solidFill>
-                      <a:srgbClr val="FFFFFF">
-                        <a:alpha val="69804"/>
-                      </a:srgbClr>
-                    </a:solidFill>
-                  </a:tcPr>
-                </a:tc>
-                <a:extLst>
-                  <a:ext uri="{0D108BD9-81ED-4DB2-BD59-A6C34878D82A}">
-                    <a16:rowId xmlns:a16="http://schemas.microsoft.com/office/drawing/2014/main" val="10009"/>
-                  </a:ext>
-                </a:extLst>
-              </a:tr>
-              <a:tr h="360000">
-                <a:tc>
-                  <a:txBody>
-                    <a:bodyPr/>
-                    <a:lstStyle/>
-                    <a:p>
-                      <a:pPr algn="ctr"/>
-                      <a:r>
-                        <a:rPr lang="fr-FR" sz="1400" b="1" dirty="0"/>
-                        <a:t>SP</a:t>
-                      </a:r>
-                    </a:p>
-                  </a:txBody>
-                  <a:tcPr anchor="ctr">
-                    <a:solidFill>
-                      <a:srgbClr val="FFFFFF">
-                        <a:alpha val="69804"/>
-                      </a:srgbClr>
-                    </a:solidFill>
-                  </a:tcPr>
-                </a:tc>
-                <a:tc>
-                  <a:txBody>
-                    <a:bodyPr/>
-                    <a:lstStyle/>
-                    <a:p>
-                      <a:endParaRPr lang="fr-FR" sz="1400" dirty="0"/>
-                    </a:p>
-                  </a:txBody>
-                  <a:tcPr anchor="ctr">
-                    <a:lnR w="12700" cap="flat" cmpd="sng" algn="ctr">
-                      <a:noFill/>
-                      <a:prstDash val="solid"/>
-                      <a:round/>
-                      <a:headEnd type="none" w="med" len="med"/>
-                      <a:tailEnd type="none" w="med" len="med"/>
-                    </a:lnR>
-                    <a:solidFill>
-                      <a:srgbClr val="FFFFFF">
-                        <a:alpha val="69804"/>
-                      </a:srgbClr>
-                    </a:solidFill>
-                  </a:tcPr>
-                </a:tc>
-                <a:tc>
-                  <a:txBody>
-                    <a:bodyPr/>
-                    <a:lstStyle/>
-                    <a:p>
-                      <a:pPr algn="ctr"/>
-                      <a:endParaRPr lang="fr-FR" sz="1400" dirty="0"/>
-                    </a:p>
-                  </a:txBody>
-                  <a:tcPr anchor="ctr">
-                    <a:lnL w="12700" cap="flat" cmpd="sng" algn="ctr">
-                      <a:noFill/>
-                      <a:prstDash val="solid"/>
-                      <a:round/>
-                      <a:headEnd type="none" w="med" len="med"/>
-                      <a:tailEnd type="none" w="med" len="med"/>
-                    </a:lnL>
-                    <a:solidFill>
-                      <a:srgbClr val="FFFFFF">
-                        <a:alpha val="69804"/>
-                      </a:srgbClr>
-                    </a:solidFill>
-                  </a:tcPr>
-                </a:tc>
-                <a:tc>
-                  <a:txBody>
-                    <a:bodyPr/>
-                    <a:lstStyle/>
-                    <a:p>
-                      <a:pPr algn="ctr"/>
-                      <a:endParaRPr lang="fr-FR" sz="1400" b="1" dirty="0"/>
-                    </a:p>
-                  </a:txBody>
-                  <a:tcPr anchor="ctr">
-                    <a:lnR w="12700" cap="flat" cmpd="sng" algn="ctr">
-                      <a:solidFill>
-                        <a:schemeClr val="tx1"/>
-                      </a:solidFill>
-                      <a:prstDash val="solid"/>
-                      <a:round/>
-                      <a:headEnd type="none" w="med" len="med"/>
-                      <a:tailEnd type="none" w="med" len="med"/>
-                    </a:lnR>
-                    <a:solidFill>
-                      <a:srgbClr val="FFFFFF">
-                        <a:alpha val="69804"/>
-                      </a:srgbClr>
-                    </a:solidFill>
-                  </a:tcPr>
-                </a:tc>
-                <a:extLst>
-                  <a:ext uri="{0D108BD9-81ED-4DB2-BD59-A6C34878D82A}">
-                    <a16:rowId xmlns:a16="http://schemas.microsoft.com/office/drawing/2014/main" val="10010"/>
                   </a:ext>
                 </a:extLst>
               </a:tr>
@@ -8848,6 +7794,2331 @@
           </a:graphicData>
         </a:graphic>
       </p:graphicFrame>
+      <p:pic>
+        <p:nvPicPr>
+          <p:cNvPr id="11" name="Picture 2" descr="https://www.templiers-senart.com/wp-content/uploads/2017/03/Templiers_Diaporama.png">
+            <a:extLst>
+              <a:ext uri="{FF2B5EF4-FFF2-40B4-BE49-F238E27FC236}">
+                <a16:creationId xmlns:a16="http://schemas.microsoft.com/office/drawing/2014/main" id="{EE1B5C65-753E-4005-A053-7EDDDAB4D958}"/>
+              </a:ext>
+            </a:extLst>
+          </p:cNvPr>
+          <p:cNvPicPr>
+            <a:picLocks noChangeAspect="1" noChangeArrowheads="1"/>
+          </p:cNvPicPr>
+          <p:nvPr/>
+        </p:nvPicPr>
+        <p:blipFill>
+          <a:blip r:embed="rId2" cstate="print">
+            <a:extLst>
+              <a:ext uri="{28A0092B-C50C-407E-A947-70E740481C1C}">
+                <a14:useLocalDpi xmlns:a14="http://schemas.microsoft.com/office/drawing/2010/main" val="0"/>
+              </a:ext>
+            </a:extLst>
+          </a:blip>
+          <a:srcRect/>
+          <a:stretch>
+            <a:fillRect/>
+          </a:stretch>
+        </p:blipFill>
+        <p:spPr bwMode="auto">
+          <a:xfrm>
+            <a:off x="536176" y="783709"/>
+            <a:ext cx="387368" cy="387368"/>
+          </a:xfrm>
+          <a:prstGeom prst="rect">
+            <a:avLst/>
+          </a:prstGeom>
+          <a:noFill/>
+          <a:extLst>
+            <a:ext uri="{909E8E84-426E-40DD-AFC4-6F175D3DCCD1}">
+              <a14:hiddenFill xmlns:a14="http://schemas.microsoft.com/office/drawing/2010/main">
+                <a:solidFill>
+                  <a:srgbClr val="FFFFFF"/>
+                </a:solidFill>
+              </a14:hiddenFill>
+            </a:ext>
+          </a:extLst>
+        </p:spPr>
+      </p:pic>
+      <p:graphicFrame>
+        <p:nvGraphicFramePr>
+          <p:cNvPr id="12" name="Tableau 11">
+            <a:extLst>
+              <a:ext uri="{FF2B5EF4-FFF2-40B4-BE49-F238E27FC236}">
+                <a16:creationId xmlns:a16="http://schemas.microsoft.com/office/drawing/2014/main" id="{093EBA47-3057-43D7-AB65-DFA2EAEF1DA1}"/>
+              </a:ext>
+            </a:extLst>
+          </p:cNvPr>
+          <p:cNvGraphicFramePr>
+            <a:graphicFrameLocks noGrp="1"/>
+          </p:cNvGraphicFramePr>
+          <p:nvPr>
+            <p:extLst>
+              <p:ext uri="{D42A27DB-BD31-4B8C-83A1-F6EECF244321}">
+                <p14:modId xmlns:p14="http://schemas.microsoft.com/office/powerpoint/2010/main" val="2296484088"/>
+              </p:ext>
+            </p:extLst>
+          </p:nvPr>
+        </p:nvGraphicFramePr>
+        <p:xfrm>
+          <a:off x="369195" y="5410200"/>
+          <a:ext cx="3898004" cy="3962400"/>
+        </p:xfrm>
+        <a:graphic>
+          <a:graphicData uri="http://schemas.openxmlformats.org/drawingml/2006/table">
+            <a:tbl>
+              <a:tblPr firstRow="1" bandRow="1">
+                <a:solidFill>
+                  <a:srgbClr val="FFFFFF">
+                    <a:alpha val="40000"/>
+                  </a:srgbClr>
+                </a:solidFill>
+                <a:tableStyleId>{7E9639D4-E3E2-4D34-9284-5A2195B3D0D7}</a:tableStyleId>
+              </a:tblPr>
+              <a:tblGrid>
+                <a:gridCol w="621405">
+                  <a:extLst>
+                    <a:ext uri="{9D8B030D-6E8A-4147-A177-3AD203B41FA5}">
+                      <a16:colId xmlns:a16="http://schemas.microsoft.com/office/drawing/2014/main" val="20000"/>
+                    </a:ext>
+                  </a:extLst>
+                </a:gridCol>
+                <a:gridCol w="2789348">
+                  <a:extLst>
+                    <a:ext uri="{9D8B030D-6E8A-4147-A177-3AD203B41FA5}">
+                      <a16:colId xmlns:a16="http://schemas.microsoft.com/office/drawing/2014/main" val="20001"/>
+                    </a:ext>
+                  </a:extLst>
+                </a:gridCol>
+                <a:gridCol w="487251">
+                  <a:extLst>
+                    <a:ext uri="{9D8B030D-6E8A-4147-A177-3AD203B41FA5}">
+                      <a16:colId xmlns:a16="http://schemas.microsoft.com/office/drawing/2014/main" val="20002"/>
+                    </a:ext>
+                  </a:extLst>
+                </a:gridCol>
+              </a:tblGrid>
+              <a:tr h="396240">
+                <a:tc>
+                  <a:txBody>
+                    <a:bodyPr/>
+                    <a:lstStyle/>
+                    <a:p>
+                      <a:pPr algn="ctr"/>
+                      <a:r>
+                        <a:rPr lang="fr-FR" sz="1400" b="1" dirty="0">
+                          <a:solidFill>
+                            <a:srgbClr val="000000"/>
+                          </a:solidFill>
+                          <a:latin typeface="Arial Black" panose="020B0A04020102020204" pitchFamily="34" charset="0"/>
+                        </a:rPr>
+                        <a:t>1</a:t>
+                      </a:r>
+                    </a:p>
+                  </a:txBody>
+                  <a:tcPr anchor="ctr">
+                    <a:lnL w="76200" cap="flat" cmpd="sng" algn="ctr">
+                      <a:noFill/>
+                      <a:prstDash val="solid"/>
+                      <a:round/>
+                      <a:headEnd type="none" w="med" len="med"/>
+                      <a:tailEnd type="none" w="med" len="med"/>
+                    </a:lnL>
+                    <a:lnR>
+                      <a:noFill/>
+                    </a:lnR>
+                    <a:lnT w="76200" cap="flat" cmpd="sng" algn="ctr">
+                      <a:noFill/>
+                      <a:prstDash val="solid"/>
+                      <a:round/>
+                      <a:headEnd type="none" w="med" len="med"/>
+                      <a:tailEnd type="none" w="med" len="med"/>
+                    </a:lnT>
+                    <a:lnB w="76200" cap="flat" cmpd="sng" algn="ctr">
+                      <a:solidFill>
+                        <a:schemeClr val="bg1"/>
+                      </a:solidFill>
+                      <a:prstDash val="solid"/>
+                      <a:round/>
+                      <a:headEnd type="none" w="med" len="med"/>
+                      <a:tailEnd type="none" w="med" len="med"/>
+                    </a:lnB>
+                    <a:lnTlToBr w="12700" cmpd="sng">
+                      <a:noFill/>
+                      <a:prstDash val="solid"/>
+                    </a:lnTlToBr>
+                    <a:lnBlToTr w="12700" cmpd="sng">
+                      <a:noFill/>
+                      <a:prstDash val="solid"/>
+                    </a:lnBlToTr>
+                    <a:solidFill>
+                      <a:schemeClr val="bg1">
+                        <a:lumMod val="95000"/>
+                      </a:schemeClr>
+                    </a:solidFill>
+                  </a:tcPr>
+                </a:tc>
+                <a:tc>
+                  <a:txBody>
+                    <a:bodyPr/>
+                    <a:lstStyle/>
+                    <a:p>
+                      <a:pPr algn="r"/>
+                      <a:endParaRPr lang="fr-FR" sz="1400" dirty="0">
+                        <a:solidFill>
+                          <a:srgbClr val="000000"/>
+                        </a:solidFill>
+                        <a:latin typeface="Arial Black" panose="020B0A04020102020204" pitchFamily="34" charset="0"/>
+                      </a:endParaRPr>
+                    </a:p>
+                  </a:txBody>
+                  <a:tcPr anchor="ctr">
+                    <a:lnL>
+                      <a:noFill/>
+                    </a:lnL>
+                    <a:lnR>
+                      <a:noFill/>
+                    </a:lnR>
+                    <a:lnT w="76200" cap="flat" cmpd="sng" algn="ctr">
+                      <a:noFill/>
+                      <a:prstDash val="solid"/>
+                      <a:round/>
+                      <a:headEnd type="none" w="med" len="med"/>
+                      <a:tailEnd type="none" w="med" len="med"/>
+                    </a:lnT>
+                    <a:lnB w="76200" cap="flat" cmpd="sng" algn="ctr">
+                      <a:solidFill>
+                        <a:schemeClr val="bg1"/>
+                      </a:solidFill>
+                      <a:prstDash val="solid"/>
+                      <a:round/>
+                      <a:headEnd type="none" w="med" len="med"/>
+                      <a:tailEnd type="none" w="med" len="med"/>
+                    </a:lnB>
+                    <a:lnTlToBr w="12700" cmpd="sng">
+                      <a:noFill/>
+                      <a:prstDash val="solid"/>
+                    </a:lnTlToBr>
+                    <a:lnBlToTr w="12700" cmpd="sng">
+                      <a:noFill/>
+                      <a:prstDash val="solid"/>
+                    </a:lnBlToTr>
+                    <a:solidFill>
+                      <a:schemeClr val="bg1">
+                        <a:lumMod val="95000"/>
+                      </a:schemeClr>
+                    </a:solidFill>
+                  </a:tcPr>
+                </a:tc>
+                <a:tc>
+                  <a:txBody>
+                    <a:bodyPr/>
+                    <a:lstStyle/>
+                    <a:p>
+                      <a:pPr algn="ctr"/>
+                      <a:endParaRPr lang="fr-FR" sz="1400" dirty="0">
+                        <a:solidFill>
+                          <a:srgbClr val="000000"/>
+                        </a:solidFill>
+                      </a:endParaRPr>
+                    </a:p>
+                  </a:txBody>
+                  <a:tcPr anchor="ctr">
+                    <a:lnL>
+                      <a:noFill/>
+                    </a:lnL>
+                    <a:lnR>
+                      <a:noFill/>
+                    </a:lnR>
+                    <a:lnT w="76200" cap="flat" cmpd="sng" algn="ctr">
+                      <a:noFill/>
+                      <a:prstDash val="solid"/>
+                      <a:round/>
+                      <a:headEnd type="none" w="med" len="med"/>
+                      <a:tailEnd type="none" w="med" len="med"/>
+                    </a:lnT>
+                    <a:lnB w="76200" cap="flat" cmpd="sng" algn="ctr">
+                      <a:solidFill>
+                        <a:schemeClr val="bg1"/>
+                      </a:solidFill>
+                      <a:prstDash val="solid"/>
+                      <a:round/>
+                      <a:headEnd type="none" w="med" len="med"/>
+                      <a:tailEnd type="none" w="med" len="med"/>
+                    </a:lnB>
+                    <a:lnTlToBr w="12700" cmpd="sng">
+                      <a:noFill/>
+                      <a:prstDash val="solid"/>
+                    </a:lnTlToBr>
+                    <a:lnBlToTr w="12700" cmpd="sng">
+                      <a:noFill/>
+                      <a:prstDash val="solid"/>
+                    </a:lnBlToTr>
+                    <a:solidFill>
+                      <a:schemeClr val="bg1">
+                        <a:lumMod val="95000"/>
+                      </a:schemeClr>
+                    </a:solidFill>
+                  </a:tcPr>
+                </a:tc>
+                <a:extLst>
+                  <a:ext uri="{0D108BD9-81ED-4DB2-BD59-A6C34878D82A}">
+                    <a16:rowId xmlns:a16="http://schemas.microsoft.com/office/drawing/2014/main" val="10001"/>
+                  </a:ext>
+                </a:extLst>
+              </a:tr>
+              <a:tr h="396240">
+                <a:tc>
+                  <a:txBody>
+                    <a:bodyPr/>
+                    <a:lstStyle/>
+                    <a:p>
+                      <a:pPr algn="ctr"/>
+                      <a:r>
+                        <a:rPr lang="fr-FR" sz="1400" b="1" dirty="0">
+                          <a:solidFill>
+                            <a:srgbClr val="000000"/>
+                          </a:solidFill>
+                          <a:latin typeface="Arial Black" panose="020B0A04020102020204" pitchFamily="34" charset="0"/>
+                        </a:rPr>
+                        <a:t>2</a:t>
+                      </a:r>
+                    </a:p>
+                  </a:txBody>
+                  <a:tcPr anchor="ctr">
+                    <a:lnL w="76200" cap="flat" cmpd="sng" algn="ctr">
+                      <a:noFill/>
+                      <a:prstDash val="solid"/>
+                      <a:round/>
+                      <a:headEnd type="none" w="med" len="med"/>
+                      <a:tailEnd type="none" w="med" len="med"/>
+                    </a:lnL>
+                    <a:lnR>
+                      <a:noFill/>
+                    </a:lnR>
+                    <a:lnT w="76200" cap="flat" cmpd="sng" algn="ctr">
+                      <a:solidFill>
+                        <a:schemeClr val="bg1"/>
+                      </a:solidFill>
+                      <a:prstDash val="solid"/>
+                      <a:round/>
+                      <a:headEnd type="none" w="med" len="med"/>
+                      <a:tailEnd type="none" w="med" len="med"/>
+                    </a:lnT>
+                    <a:lnB w="76200" cap="flat" cmpd="sng" algn="ctr">
+                      <a:solidFill>
+                        <a:schemeClr val="bg1"/>
+                      </a:solidFill>
+                      <a:prstDash val="solid"/>
+                      <a:round/>
+                      <a:headEnd type="none" w="med" len="med"/>
+                      <a:tailEnd type="none" w="med" len="med"/>
+                    </a:lnB>
+                    <a:lnTlToBr w="12700" cmpd="sng">
+                      <a:noFill/>
+                      <a:prstDash val="solid"/>
+                    </a:lnTlToBr>
+                    <a:lnBlToTr w="12700" cmpd="sng">
+                      <a:noFill/>
+                      <a:prstDash val="solid"/>
+                    </a:lnBlToTr>
+                    <a:solidFill>
+                      <a:schemeClr val="bg1">
+                        <a:lumMod val="95000"/>
+                      </a:schemeClr>
+                    </a:solidFill>
+                  </a:tcPr>
+                </a:tc>
+                <a:tc>
+                  <a:txBody>
+                    <a:bodyPr/>
+                    <a:lstStyle/>
+                    <a:p>
+                      <a:pPr algn="r"/>
+                      <a:endParaRPr lang="fr-FR" sz="1400" dirty="0">
+                        <a:solidFill>
+                          <a:srgbClr val="000000"/>
+                        </a:solidFill>
+                        <a:latin typeface="Arial Black" panose="020B0A04020102020204" pitchFamily="34" charset="0"/>
+                      </a:endParaRPr>
+                    </a:p>
+                  </a:txBody>
+                  <a:tcPr anchor="ctr">
+                    <a:lnL>
+                      <a:noFill/>
+                    </a:lnL>
+                    <a:lnR>
+                      <a:noFill/>
+                    </a:lnR>
+                    <a:lnT w="76200" cap="flat" cmpd="sng" algn="ctr">
+                      <a:solidFill>
+                        <a:schemeClr val="bg1"/>
+                      </a:solidFill>
+                      <a:prstDash val="solid"/>
+                      <a:round/>
+                      <a:headEnd type="none" w="med" len="med"/>
+                      <a:tailEnd type="none" w="med" len="med"/>
+                    </a:lnT>
+                    <a:lnB w="76200" cap="flat" cmpd="sng" algn="ctr">
+                      <a:solidFill>
+                        <a:schemeClr val="bg1"/>
+                      </a:solidFill>
+                      <a:prstDash val="solid"/>
+                      <a:round/>
+                      <a:headEnd type="none" w="med" len="med"/>
+                      <a:tailEnd type="none" w="med" len="med"/>
+                    </a:lnB>
+                    <a:lnTlToBr w="12700" cmpd="sng">
+                      <a:noFill/>
+                      <a:prstDash val="solid"/>
+                    </a:lnTlToBr>
+                    <a:lnBlToTr w="12700" cmpd="sng">
+                      <a:noFill/>
+                      <a:prstDash val="solid"/>
+                    </a:lnBlToTr>
+                    <a:solidFill>
+                      <a:schemeClr val="bg1">
+                        <a:lumMod val="95000"/>
+                      </a:schemeClr>
+                    </a:solidFill>
+                  </a:tcPr>
+                </a:tc>
+                <a:tc>
+                  <a:txBody>
+                    <a:bodyPr/>
+                    <a:lstStyle/>
+                    <a:p>
+                      <a:pPr algn="ctr"/>
+                      <a:endParaRPr lang="fr-FR" sz="1400" dirty="0">
+                        <a:solidFill>
+                          <a:srgbClr val="000000"/>
+                        </a:solidFill>
+                      </a:endParaRPr>
+                    </a:p>
+                  </a:txBody>
+                  <a:tcPr anchor="ctr">
+                    <a:lnL>
+                      <a:noFill/>
+                    </a:lnL>
+                    <a:lnR>
+                      <a:noFill/>
+                    </a:lnR>
+                    <a:lnT w="76200" cap="flat" cmpd="sng" algn="ctr">
+                      <a:solidFill>
+                        <a:schemeClr val="bg1"/>
+                      </a:solidFill>
+                      <a:prstDash val="solid"/>
+                      <a:round/>
+                      <a:headEnd type="none" w="med" len="med"/>
+                      <a:tailEnd type="none" w="med" len="med"/>
+                    </a:lnT>
+                    <a:lnB w="76200" cap="flat" cmpd="sng" algn="ctr">
+                      <a:solidFill>
+                        <a:schemeClr val="bg1"/>
+                      </a:solidFill>
+                      <a:prstDash val="solid"/>
+                      <a:round/>
+                      <a:headEnd type="none" w="med" len="med"/>
+                      <a:tailEnd type="none" w="med" len="med"/>
+                    </a:lnB>
+                    <a:lnTlToBr w="12700" cmpd="sng">
+                      <a:noFill/>
+                      <a:prstDash val="solid"/>
+                    </a:lnTlToBr>
+                    <a:lnBlToTr w="12700" cmpd="sng">
+                      <a:noFill/>
+                      <a:prstDash val="solid"/>
+                    </a:lnBlToTr>
+                    <a:solidFill>
+                      <a:schemeClr val="bg1">
+                        <a:lumMod val="95000"/>
+                      </a:schemeClr>
+                    </a:solidFill>
+                  </a:tcPr>
+                </a:tc>
+                <a:extLst>
+                  <a:ext uri="{0D108BD9-81ED-4DB2-BD59-A6C34878D82A}">
+                    <a16:rowId xmlns:a16="http://schemas.microsoft.com/office/drawing/2014/main" val="10002"/>
+                  </a:ext>
+                </a:extLst>
+              </a:tr>
+              <a:tr h="396240">
+                <a:tc>
+                  <a:txBody>
+                    <a:bodyPr/>
+                    <a:lstStyle/>
+                    <a:p>
+                      <a:pPr algn="ctr"/>
+                      <a:r>
+                        <a:rPr lang="fr-FR" sz="1400" b="1" dirty="0">
+                          <a:solidFill>
+                            <a:srgbClr val="000000"/>
+                          </a:solidFill>
+                          <a:latin typeface="Arial Black" panose="020B0A04020102020204" pitchFamily="34" charset="0"/>
+                        </a:rPr>
+                        <a:t>3</a:t>
+                      </a:r>
+                    </a:p>
+                  </a:txBody>
+                  <a:tcPr anchor="ctr">
+                    <a:lnL w="76200" cap="flat" cmpd="sng" algn="ctr">
+                      <a:noFill/>
+                      <a:prstDash val="solid"/>
+                      <a:round/>
+                      <a:headEnd type="none" w="med" len="med"/>
+                      <a:tailEnd type="none" w="med" len="med"/>
+                    </a:lnL>
+                    <a:lnR>
+                      <a:noFill/>
+                    </a:lnR>
+                    <a:lnT w="76200" cap="flat" cmpd="sng" algn="ctr">
+                      <a:solidFill>
+                        <a:schemeClr val="bg1"/>
+                      </a:solidFill>
+                      <a:prstDash val="solid"/>
+                      <a:round/>
+                      <a:headEnd type="none" w="med" len="med"/>
+                      <a:tailEnd type="none" w="med" len="med"/>
+                    </a:lnT>
+                    <a:lnB w="76200" cap="flat" cmpd="sng" algn="ctr">
+                      <a:solidFill>
+                        <a:schemeClr val="bg1"/>
+                      </a:solidFill>
+                      <a:prstDash val="solid"/>
+                      <a:round/>
+                      <a:headEnd type="none" w="med" len="med"/>
+                      <a:tailEnd type="none" w="med" len="med"/>
+                    </a:lnB>
+                    <a:lnTlToBr w="12700" cmpd="sng">
+                      <a:noFill/>
+                      <a:prstDash val="solid"/>
+                    </a:lnTlToBr>
+                    <a:lnBlToTr w="12700" cmpd="sng">
+                      <a:noFill/>
+                      <a:prstDash val="solid"/>
+                    </a:lnBlToTr>
+                    <a:solidFill>
+                      <a:schemeClr val="bg1">
+                        <a:lumMod val="95000"/>
+                      </a:schemeClr>
+                    </a:solidFill>
+                  </a:tcPr>
+                </a:tc>
+                <a:tc>
+                  <a:txBody>
+                    <a:bodyPr/>
+                    <a:lstStyle/>
+                    <a:p>
+                      <a:pPr algn="r"/>
+                      <a:endParaRPr lang="fr-FR" sz="1400" dirty="0">
+                        <a:solidFill>
+                          <a:srgbClr val="000000"/>
+                        </a:solidFill>
+                        <a:latin typeface="Arial Black" panose="020B0A04020102020204" pitchFamily="34" charset="0"/>
+                      </a:endParaRPr>
+                    </a:p>
+                  </a:txBody>
+                  <a:tcPr anchor="ctr">
+                    <a:lnL>
+                      <a:noFill/>
+                    </a:lnL>
+                    <a:lnR>
+                      <a:noFill/>
+                    </a:lnR>
+                    <a:lnT w="76200" cap="flat" cmpd="sng" algn="ctr">
+                      <a:solidFill>
+                        <a:schemeClr val="bg1"/>
+                      </a:solidFill>
+                      <a:prstDash val="solid"/>
+                      <a:round/>
+                      <a:headEnd type="none" w="med" len="med"/>
+                      <a:tailEnd type="none" w="med" len="med"/>
+                    </a:lnT>
+                    <a:lnB w="76200" cap="flat" cmpd="sng" algn="ctr">
+                      <a:solidFill>
+                        <a:schemeClr val="bg1"/>
+                      </a:solidFill>
+                      <a:prstDash val="solid"/>
+                      <a:round/>
+                      <a:headEnd type="none" w="med" len="med"/>
+                      <a:tailEnd type="none" w="med" len="med"/>
+                    </a:lnB>
+                    <a:lnTlToBr w="12700" cmpd="sng">
+                      <a:noFill/>
+                      <a:prstDash val="solid"/>
+                    </a:lnTlToBr>
+                    <a:lnBlToTr w="12700" cmpd="sng">
+                      <a:noFill/>
+                      <a:prstDash val="solid"/>
+                    </a:lnBlToTr>
+                    <a:solidFill>
+                      <a:schemeClr val="bg1">
+                        <a:lumMod val="95000"/>
+                      </a:schemeClr>
+                    </a:solidFill>
+                  </a:tcPr>
+                </a:tc>
+                <a:tc>
+                  <a:txBody>
+                    <a:bodyPr/>
+                    <a:lstStyle/>
+                    <a:p>
+                      <a:pPr algn="ctr"/>
+                      <a:endParaRPr lang="fr-FR" sz="1400" dirty="0">
+                        <a:solidFill>
+                          <a:srgbClr val="000000"/>
+                        </a:solidFill>
+                      </a:endParaRPr>
+                    </a:p>
+                  </a:txBody>
+                  <a:tcPr anchor="ctr">
+                    <a:lnL>
+                      <a:noFill/>
+                    </a:lnL>
+                    <a:lnR>
+                      <a:noFill/>
+                    </a:lnR>
+                    <a:lnT w="76200" cap="flat" cmpd="sng" algn="ctr">
+                      <a:solidFill>
+                        <a:schemeClr val="bg1"/>
+                      </a:solidFill>
+                      <a:prstDash val="solid"/>
+                      <a:round/>
+                      <a:headEnd type="none" w="med" len="med"/>
+                      <a:tailEnd type="none" w="med" len="med"/>
+                    </a:lnT>
+                    <a:lnB w="76200" cap="flat" cmpd="sng" algn="ctr">
+                      <a:solidFill>
+                        <a:schemeClr val="bg1"/>
+                      </a:solidFill>
+                      <a:prstDash val="solid"/>
+                      <a:round/>
+                      <a:headEnd type="none" w="med" len="med"/>
+                      <a:tailEnd type="none" w="med" len="med"/>
+                    </a:lnB>
+                    <a:lnTlToBr w="12700" cmpd="sng">
+                      <a:noFill/>
+                      <a:prstDash val="solid"/>
+                    </a:lnTlToBr>
+                    <a:lnBlToTr w="12700" cmpd="sng">
+                      <a:noFill/>
+                      <a:prstDash val="solid"/>
+                    </a:lnBlToTr>
+                    <a:solidFill>
+                      <a:schemeClr val="bg1">
+                        <a:lumMod val="95000"/>
+                      </a:schemeClr>
+                    </a:solidFill>
+                  </a:tcPr>
+                </a:tc>
+                <a:extLst>
+                  <a:ext uri="{0D108BD9-81ED-4DB2-BD59-A6C34878D82A}">
+                    <a16:rowId xmlns:a16="http://schemas.microsoft.com/office/drawing/2014/main" val="10003"/>
+                  </a:ext>
+                </a:extLst>
+              </a:tr>
+              <a:tr h="396240">
+                <a:tc>
+                  <a:txBody>
+                    <a:bodyPr/>
+                    <a:lstStyle/>
+                    <a:p>
+                      <a:pPr algn="ctr"/>
+                      <a:r>
+                        <a:rPr lang="fr-FR" sz="1400" b="1" dirty="0">
+                          <a:solidFill>
+                            <a:srgbClr val="000000"/>
+                          </a:solidFill>
+                          <a:latin typeface="Arial Black" panose="020B0A04020102020204" pitchFamily="34" charset="0"/>
+                        </a:rPr>
+                        <a:t>4</a:t>
+                      </a:r>
+                    </a:p>
+                  </a:txBody>
+                  <a:tcPr anchor="ctr">
+                    <a:lnL w="76200" cap="flat" cmpd="sng" algn="ctr">
+                      <a:noFill/>
+                      <a:prstDash val="solid"/>
+                      <a:round/>
+                      <a:headEnd type="none" w="med" len="med"/>
+                      <a:tailEnd type="none" w="med" len="med"/>
+                    </a:lnL>
+                    <a:lnR>
+                      <a:noFill/>
+                    </a:lnR>
+                    <a:lnT w="76200" cap="flat" cmpd="sng" algn="ctr">
+                      <a:solidFill>
+                        <a:schemeClr val="bg1"/>
+                      </a:solidFill>
+                      <a:prstDash val="solid"/>
+                      <a:round/>
+                      <a:headEnd type="none" w="med" len="med"/>
+                      <a:tailEnd type="none" w="med" len="med"/>
+                    </a:lnT>
+                    <a:lnB w="76200" cap="flat" cmpd="sng" algn="ctr">
+                      <a:solidFill>
+                        <a:schemeClr val="bg1"/>
+                      </a:solidFill>
+                      <a:prstDash val="solid"/>
+                      <a:round/>
+                      <a:headEnd type="none" w="med" len="med"/>
+                      <a:tailEnd type="none" w="med" len="med"/>
+                    </a:lnB>
+                    <a:lnTlToBr w="12700" cmpd="sng">
+                      <a:noFill/>
+                      <a:prstDash val="solid"/>
+                    </a:lnTlToBr>
+                    <a:lnBlToTr w="12700" cmpd="sng">
+                      <a:noFill/>
+                      <a:prstDash val="solid"/>
+                    </a:lnBlToTr>
+                    <a:solidFill>
+                      <a:schemeClr val="bg1">
+                        <a:lumMod val="95000"/>
+                      </a:schemeClr>
+                    </a:solidFill>
+                  </a:tcPr>
+                </a:tc>
+                <a:tc>
+                  <a:txBody>
+                    <a:bodyPr/>
+                    <a:lstStyle/>
+                    <a:p>
+                      <a:pPr algn="r"/>
+                      <a:endParaRPr lang="fr-FR" sz="1400" dirty="0">
+                        <a:solidFill>
+                          <a:srgbClr val="000000"/>
+                        </a:solidFill>
+                        <a:latin typeface="Arial Black" panose="020B0A04020102020204" pitchFamily="34" charset="0"/>
+                      </a:endParaRPr>
+                    </a:p>
+                  </a:txBody>
+                  <a:tcPr anchor="ctr">
+                    <a:lnL>
+                      <a:noFill/>
+                    </a:lnL>
+                    <a:lnR>
+                      <a:noFill/>
+                    </a:lnR>
+                    <a:lnT w="76200" cap="flat" cmpd="sng" algn="ctr">
+                      <a:solidFill>
+                        <a:schemeClr val="bg1"/>
+                      </a:solidFill>
+                      <a:prstDash val="solid"/>
+                      <a:round/>
+                      <a:headEnd type="none" w="med" len="med"/>
+                      <a:tailEnd type="none" w="med" len="med"/>
+                    </a:lnT>
+                    <a:lnB w="76200" cap="flat" cmpd="sng" algn="ctr">
+                      <a:solidFill>
+                        <a:schemeClr val="bg1"/>
+                      </a:solidFill>
+                      <a:prstDash val="solid"/>
+                      <a:round/>
+                      <a:headEnd type="none" w="med" len="med"/>
+                      <a:tailEnd type="none" w="med" len="med"/>
+                    </a:lnB>
+                    <a:lnTlToBr w="12700" cmpd="sng">
+                      <a:noFill/>
+                      <a:prstDash val="solid"/>
+                    </a:lnTlToBr>
+                    <a:lnBlToTr w="12700" cmpd="sng">
+                      <a:noFill/>
+                      <a:prstDash val="solid"/>
+                    </a:lnBlToTr>
+                    <a:solidFill>
+                      <a:schemeClr val="bg1">
+                        <a:lumMod val="95000"/>
+                      </a:schemeClr>
+                    </a:solidFill>
+                  </a:tcPr>
+                </a:tc>
+                <a:tc>
+                  <a:txBody>
+                    <a:bodyPr/>
+                    <a:lstStyle/>
+                    <a:p>
+                      <a:pPr algn="ctr"/>
+                      <a:endParaRPr lang="fr-FR" sz="1400" dirty="0">
+                        <a:solidFill>
+                          <a:srgbClr val="000000"/>
+                        </a:solidFill>
+                      </a:endParaRPr>
+                    </a:p>
+                  </a:txBody>
+                  <a:tcPr anchor="ctr">
+                    <a:lnL>
+                      <a:noFill/>
+                    </a:lnL>
+                    <a:lnR>
+                      <a:noFill/>
+                    </a:lnR>
+                    <a:lnT w="76200" cap="flat" cmpd="sng" algn="ctr">
+                      <a:solidFill>
+                        <a:schemeClr val="bg1"/>
+                      </a:solidFill>
+                      <a:prstDash val="solid"/>
+                      <a:round/>
+                      <a:headEnd type="none" w="med" len="med"/>
+                      <a:tailEnd type="none" w="med" len="med"/>
+                    </a:lnT>
+                    <a:lnB w="76200" cap="flat" cmpd="sng" algn="ctr">
+                      <a:solidFill>
+                        <a:schemeClr val="bg1"/>
+                      </a:solidFill>
+                      <a:prstDash val="solid"/>
+                      <a:round/>
+                      <a:headEnd type="none" w="med" len="med"/>
+                      <a:tailEnd type="none" w="med" len="med"/>
+                    </a:lnB>
+                    <a:lnTlToBr w="12700" cmpd="sng">
+                      <a:noFill/>
+                      <a:prstDash val="solid"/>
+                    </a:lnTlToBr>
+                    <a:lnBlToTr w="12700" cmpd="sng">
+                      <a:noFill/>
+                      <a:prstDash val="solid"/>
+                    </a:lnBlToTr>
+                    <a:solidFill>
+                      <a:schemeClr val="bg1">
+                        <a:lumMod val="95000"/>
+                      </a:schemeClr>
+                    </a:solidFill>
+                  </a:tcPr>
+                </a:tc>
+                <a:extLst>
+                  <a:ext uri="{0D108BD9-81ED-4DB2-BD59-A6C34878D82A}">
+                    <a16:rowId xmlns:a16="http://schemas.microsoft.com/office/drawing/2014/main" val="10004"/>
+                  </a:ext>
+                </a:extLst>
+              </a:tr>
+              <a:tr h="396240">
+                <a:tc>
+                  <a:txBody>
+                    <a:bodyPr/>
+                    <a:lstStyle/>
+                    <a:p>
+                      <a:pPr algn="ctr"/>
+                      <a:r>
+                        <a:rPr lang="fr-FR" sz="1400" b="1" dirty="0">
+                          <a:solidFill>
+                            <a:srgbClr val="000000"/>
+                          </a:solidFill>
+                          <a:latin typeface="Arial Black" panose="020B0A04020102020204" pitchFamily="34" charset="0"/>
+                        </a:rPr>
+                        <a:t>5</a:t>
+                      </a:r>
+                    </a:p>
+                  </a:txBody>
+                  <a:tcPr anchor="ctr">
+                    <a:lnL w="76200" cap="flat" cmpd="sng" algn="ctr">
+                      <a:noFill/>
+                      <a:prstDash val="solid"/>
+                      <a:round/>
+                      <a:headEnd type="none" w="med" len="med"/>
+                      <a:tailEnd type="none" w="med" len="med"/>
+                    </a:lnL>
+                    <a:lnR>
+                      <a:noFill/>
+                    </a:lnR>
+                    <a:lnT w="76200" cap="flat" cmpd="sng" algn="ctr">
+                      <a:solidFill>
+                        <a:schemeClr val="bg1"/>
+                      </a:solidFill>
+                      <a:prstDash val="solid"/>
+                      <a:round/>
+                      <a:headEnd type="none" w="med" len="med"/>
+                      <a:tailEnd type="none" w="med" len="med"/>
+                    </a:lnT>
+                    <a:lnB w="76200" cap="flat" cmpd="sng" algn="ctr">
+                      <a:solidFill>
+                        <a:schemeClr val="bg1"/>
+                      </a:solidFill>
+                      <a:prstDash val="solid"/>
+                      <a:round/>
+                      <a:headEnd type="none" w="med" len="med"/>
+                      <a:tailEnd type="none" w="med" len="med"/>
+                    </a:lnB>
+                    <a:lnTlToBr w="12700" cmpd="sng">
+                      <a:noFill/>
+                      <a:prstDash val="solid"/>
+                    </a:lnTlToBr>
+                    <a:lnBlToTr w="12700" cmpd="sng">
+                      <a:noFill/>
+                      <a:prstDash val="solid"/>
+                    </a:lnBlToTr>
+                    <a:solidFill>
+                      <a:schemeClr val="bg1">
+                        <a:lumMod val="95000"/>
+                      </a:schemeClr>
+                    </a:solidFill>
+                  </a:tcPr>
+                </a:tc>
+                <a:tc>
+                  <a:txBody>
+                    <a:bodyPr/>
+                    <a:lstStyle/>
+                    <a:p>
+                      <a:pPr algn="r"/>
+                      <a:endParaRPr lang="fr-FR" sz="1400" dirty="0">
+                        <a:solidFill>
+                          <a:srgbClr val="000000"/>
+                        </a:solidFill>
+                        <a:latin typeface="Arial Black" panose="020B0A04020102020204" pitchFamily="34" charset="0"/>
+                      </a:endParaRPr>
+                    </a:p>
+                  </a:txBody>
+                  <a:tcPr anchor="ctr">
+                    <a:lnL>
+                      <a:noFill/>
+                    </a:lnL>
+                    <a:lnR>
+                      <a:noFill/>
+                    </a:lnR>
+                    <a:lnT w="76200" cap="flat" cmpd="sng" algn="ctr">
+                      <a:solidFill>
+                        <a:schemeClr val="bg1"/>
+                      </a:solidFill>
+                      <a:prstDash val="solid"/>
+                      <a:round/>
+                      <a:headEnd type="none" w="med" len="med"/>
+                      <a:tailEnd type="none" w="med" len="med"/>
+                    </a:lnT>
+                    <a:lnB w="76200" cap="flat" cmpd="sng" algn="ctr">
+                      <a:solidFill>
+                        <a:schemeClr val="bg1"/>
+                      </a:solidFill>
+                      <a:prstDash val="solid"/>
+                      <a:round/>
+                      <a:headEnd type="none" w="med" len="med"/>
+                      <a:tailEnd type="none" w="med" len="med"/>
+                    </a:lnB>
+                    <a:lnTlToBr w="12700" cmpd="sng">
+                      <a:noFill/>
+                      <a:prstDash val="solid"/>
+                    </a:lnTlToBr>
+                    <a:lnBlToTr w="12700" cmpd="sng">
+                      <a:noFill/>
+                      <a:prstDash val="solid"/>
+                    </a:lnBlToTr>
+                    <a:solidFill>
+                      <a:schemeClr val="bg1">
+                        <a:lumMod val="95000"/>
+                      </a:schemeClr>
+                    </a:solidFill>
+                  </a:tcPr>
+                </a:tc>
+                <a:tc>
+                  <a:txBody>
+                    <a:bodyPr/>
+                    <a:lstStyle/>
+                    <a:p>
+                      <a:pPr algn="ctr"/>
+                      <a:endParaRPr lang="fr-FR" sz="1400" dirty="0">
+                        <a:solidFill>
+                          <a:srgbClr val="000000"/>
+                        </a:solidFill>
+                      </a:endParaRPr>
+                    </a:p>
+                  </a:txBody>
+                  <a:tcPr anchor="ctr">
+                    <a:lnL>
+                      <a:noFill/>
+                    </a:lnL>
+                    <a:lnR>
+                      <a:noFill/>
+                    </a:lnR>
+                    <a:lnT w="76200" cap="flat" cmpd="sng" algn="ctr">
+                      <a:solidFill>
+                        <a:schemeClr val="bg1"/>
+                      </a:solidFill>
+                      <a:prstDash val="solid"/>
+                      <a:round/>
+                      <a:headEnd type="none" w="med" len="med"/>
+                      <a:tailEnd type="none" w="med" len="med"/>
+                    </a:lnT>
+                    <a:lnB w="76200" cap="flat" cmpd="sng" algn="ctr">
+                      <a:solidFill>
+                        <a:schemeClr val="bg1"/>
+                      </a:solidFill>
+                      <a:prstDash val="solid"/>
+                      <a:round/>
+                      <a:headEnd type="none" w="med" len="med"/>
+                      <a:tailEnd type="none" w="med" len="med"/>
+                    </a:lnB>
+                    <a:lnTlToBr w="12700" cmpd="sng">
+                      <a:noFill/>
+                      <a:prstDash val="solid"/>
+                    </a:lnTlToBr>
+                    <a:lnBlToTr w="12700" cmpd="sng">
+                      <a:noFill/>
+                      <a:prstDash val="solid"/>
+                    </a:lnBlToTr>
+                    <a:solidFill>
+                      <a:schemeClr val="bg1">
+                        <a:lumMod val="95000"/>
+                      </a:schemeClr>
+                    </a:solidFill>
+                  </a:tcPr>
+                </a:tc>
+                <a:extLst>
+                  <a:ext uri="{0D108BD9-81ED-4DB2-BD59-A6C34878D82A}">
+                    <a16:rowId xmlns:a16="http://schemas.microsoft.com/office/drawing/2014/main" val="10005"/>
+                  </a:ext>
+                </a:extLst>
+              </a:tr>
+              <a:tr h="396240">
+                <a:tc>
+                  <a:txBody>
+                    <a:bodyPr/>
+                    <a:lstStyle/>
+                    <a:p>
+                      <a:pPr algn="ctr"/>
+                      <a:r>
+                        <a:rPr lang="fr-FR" sz="1400" b="1" dirty="0">
+                          <a:solidFill>
+                            <a:srgbClr val="000000"/>
+                          </a:solidFill>
+                          <a:latin typeface="Arial Black" panose="020B0A04020102020204" pitchFamily="34" charset="0"/>
+                        </a:rPr>
+                        <a:t>6</a:t>
+                      </a:r>
+                    </a:p>
+                  </a:txBody>
+                  <a:tcPr anchor="ctr">
+                    <a:lnL w="76200" cap="flat" cmpd="sng" algn="ctr">
+                      <a:noFill/>
+                      <a:prstDash val="solid"/>
+                      <a:round/>
+                      <a:headEnd type="none" w="med" len="med"/>
+                      <a:tailEnd type="none" w="med" len="med"/>
+                    </a:lnL>
+                    <a:lnR>
+                      <a:noFill/>
+                    </a:lnR>
+                    <a:lnT w="76200" cap="flat" cmpd="sng" algn="ctr">
+                      <a:solidFill>
+                        <a:schemeClr val="bg1"/>
+                      </a:solidFill>
+                      <a:prstDash val="solid"/>
+                      <a:round/>
+                      <a:headEnd type="none" w="med" len="med"/>
+                      <a:tailEnd type="none" w="med" len="med"/>
+                    </a:lnT>
+                    <a:lnB w="76200" cap="flat" cmpd="sng" algn="ctr">
+                      <a:solidFill>
+                        <a:schemeClr val="bg1"/>
+                      </a:solidFill>
+                      <a:prstDash val="solid"/>
+                      <a:round/>
+                      <a:headEnd type="none" w="med" len="med"/>
+                      <a:tailEnd type="none" w="med" len="med"/>
+                    </a:lnB>
+                    <a:lnTlToBr w="12700" cmpd="sng">
+                      <a:noFill/>
+                      <a:prstDash val="solid"/>
+                    </a:lnTlToBr>
+                    <a:lnBlToTr w="12700" cmpd="sng">
+                      <a:noFill/>
+                      <a:prstDash val="solid"/>
+                    </a:lnBlToTr>
+                    <a:solidFill>
+                      <a:schemeClr val="bg1">
+                        <a:lumMod val="95000"/>
+                      </a:schemeClr>
+                    </a:solidFill>
+                  </a:tcPr>
+                </a:tc>
+                <a:tc>
+                  <a:txBody>
+                    <a:bodyPr/>
+                    <a:lstStyle/>
+                    <a:p>
+                      <a:pPr algn="r"/>
+                      <a:endParaRPr lang="fr-FR" sz="1400" dirty="0">
+                        <a:solidFill>
+                          <a:srgbClr val="000000"/>
+                        </a:solidFill>
+                        <a:latin typeface="Arial Black" panose="020B0A04020102020204" pitchFamily="34" charset="0"/>
+                      </a:endParaRPr>
+                    </a:p>
+                  </a:txBody>
+                  <a:tcPr anchor="ctr">
+                    <a:lnL>
+                      <a:noFill/>
+                    </a:lnL>
+                    <a:lnR>
+                      <a:noFill/>
+                    </a:lnR>
+                    <a:lnT w="76200" cap="flat" cmpd="sng" algn="ctr">
+                      <a:solidFill>
+                        <a:schemeClr val="bg1"/>
+                      </a:solidFill>
+                      <a:prstDash val="solid"/>
+                      <a:round/>
+                      <a:headEnd type="none" w="med" len="med"/>
+                      <a:tailEnd type="none" w="med" len="med"/>
+                    </a:lnT>
+                    <a:lnB w="76200" cap="flat" cmpd="sng" algn="ctr">
+                      <a:solidFill>
+                        <a:schemeClr val="bg1"/>
+                      </a:solidFill>
+                      <a:prstDash val="solid"/>
+                      <a:round/>
+                      <a:headEnd type="none" w="med" len="med"/>
+                      <a:tailEnd type="none" w="med" len="med"/>
+                    </a:lnB>
+                    <a:lnTlToBr w="12700" cmpd="sng">
+                      <a:noFill/>
+                      <a:prstDash val="solid"/>
+                    </a:lnTlToBr>
+                    <a:lnBlToTr w="12700" cmpd="sng">
+                      <a:noFill/>
+                      <a:prstDash val="solid"/>
+                    </a:lnBlToTr>
+                    <a:solidFill>
+                      <a:schemeClr val="bg1">
+                        <a:lumMod val="95000"/>
+                      </a:schemeClr>
+                    </a:solidFill>
+                  </a:tcPr>
+                </a:tc>
+                <a:tc>
+                  <a:txBody>
+                    <a:bodyPr/>
+                    <a:lstStyle/>
+                    <a:p>
+                      <a:pPr algn="ctr"/>
+                      <a:endParaRPr lang="fr-FR" sz="1400" dirty="0">
+                        <a:solidFill>
+                          <a:srgbClr val="000000"/>
+                        </a:solidFill>
+                      </a:endParaRPr>
+                    </a:p>
+                  </a:txBody>
+                  <a:tcPr anchor="ctr">
+                    <a:lnL>
+                      <a:noFill/>
+                    </a:lnL>
+                    <a:lnR>
+                      <a:noFill/>
+                    </a:lnR>
+                    <a:lnT w="76200" cap="flat" cmpd="sng" algn="ctr">
+                      <a:solidFill>
+                        <a:schemeClr val="bg1"/>
+                      </a:solidFill>
+                      <a:prstDash val="solid"/>
+                      <a:round/>
+                      <a:headEnd type="none" w="med" len="med"/>
+                      <a:tailEnd type="none" w="med" len="med"/>
+                    </a:lnT>
+                    <a:lnB w="76200" cap="flat" cmpd="sng" algn="ctr">
+                      <a:solidFill>
+                        <a:schemeClr val="bg1"/>
+                      </a:solidFill>
+                      <a:prstDash val="solid"/>
+                      <a:round/>
+                      <a:headEnd type="none" w="med" len="med"/>
+                      <a:tailEnd type="none" w="med" len="med"/>
+                    </a:lnB>
+                    <a:lnTlToBr w="12700" cmpd="sng">
+                      <a:noFill/>
+                      <a:prstDash val="solid"/>
+                    </a:lnTlToBr>
+                    <a:lnBlToTr w="12700" cmpd="sng">
+                      <a:noFill/>
+                      <a:prstDash val="solid"/>
+                    </a:lnBlToTr>
+                    <a:solidFill>
+                      <a:schemeClr val="bg1">
+                        <a:lumMod val="95000"/>
+                      </a:schemeClr>
+                    </a:solidFill>
+                  </a:tcPr>
+                </a:tc>
+                <a:extLst>
+                  <a:ext uri="{0D108BD9-81ED-4DB2-BD59-A6C34878D82A}">
+                    <a16:rowId xmlns:a16="http://schemas.microsoft.com/office/drawing/2014/main" val="10006"/>
+                  </a:ext>
+                </a:extLst>
+              </a:tr>
+              <a:tr h="396240">
+                <a:tc>
+                  <a:txBody>
+                    <a:bodyPr/>
+                    <a:lstStyle/>
+                    <a:p>
+                      <a:pPr algn="ctr"/>
+                      <a:r>
+                        <a:rPr lang="fr-FR" sz="1400" b="1" dirty="0">
+                          <a:solidFill>
+                            <a:srgbClr val="000000"/>
+                          </a:solidFill>
+                          <a:latin typeface="Arial Black" panose="020B0A04020102020204" pitchFamily="34" charset="0"/>
+                        </a:rPr>
+                        <a:t>7</a:t>
+                      </a:r>
+                    </a:p>
+                  </a:txBody>
+                  <a:tcPr anchor="ctr">
+                    <a:lnL w="76200" cap="flat" cmpd="sng" algn="ctr">
+                      <a:noFill/>
+                      <a:prstDash val="solid"/>
+                      <a:round/>
+                      <a:headEnd type="none" w="med" len="med"/>
+                      <a:tailEnd type="none" w="med" len="med"/>
+                    </a:lnL>
+                    <a:lnR>
+                      <a:noFill/>
+                    </a:lnR>
+                    <a:lnT w="76200" cap="flat" cmpd="sng" algn="ctr">
+                      <a:solidFill>
+                        <a:schemeClr val="bg1"/>
+                      </a:solidFill>
+                      <a:prstDash val="solid"/>
+                      <a:round/>
+                      <a:headEnd type="none" w="med" len="med"/>
+                      <a:tailEnd type="none" w="med" len="med"/>
+                    </a:lnT>
+                    <a:lnB w="76200" cap="flat" cmpd="sng" algn="ctr">
+                      <a:solidFill>
+                        <a:schemeClr val="bg1"/>
+                      </a:solidFill>
+                      <a:prstDash val="solid"/>
+                      <a:round/>
+                      <a:headEnd type="none" w="med" len="med"/>
+                      <a:tailEnd type="none" w="med" len="med"/>
+                    </a:lnB>
+                    <a:lnTlToBr w="12700" cmpd="sng">
+                      <a:noFill/>
+                      <a:prstDash val="solid"/>
+                    </a:lnTlToBr>
+                    <a:lnBlToTr w="12700" cmpd="sng">
+                      <a:noFill/>
+                      <a:prstDash val="solid"/>
+                    </a:lnBlToTr>
+                    <a:solidFill>
+                      <a:schemeClr val="bg1">
+                        <a:lumMod val="95000"/>
+                      </a:schemeClr>
+                    </a:solidFill>
+                  </a:tcPr>
+                </a:tc>
+                <a:tc>
+                  <a:txBody>
+                    <a:bodyPr/>
+                    <a:lstStyle/>
+                    <a:p>
+                      <a:pPr algn="r"/>
+                      <a:endParaRPr lang="fr-FR" sz="1400" dirty="0">
+                        <a:solidFill>
+                          <a:srgbClr val="000000"/>
+                        </a:solidFill>
+                        <a:latin typeface="Arial Black" panose="020B0A04020102020204" pitchFamily="34" charset="0"/>
+                      </a:endParaRPr>
+                    </a:p>
+                  </a:txBody>
+                  <a:tcPr anchor="ctr">
+                    <a:lnL>
+                      <a:noFill/>
+                    </a:lnL>
+                    <a:lnR>
+                      <a:noFill/>
+                    </a:lnR>
+                    <a:lnT w="76200" cap="flat" cmpd="sng" algn="ctr">
+                      <a:solidFill>
+                        <a:schemeClr val="bg1"/>
+                      </a:solidFill>
+                      <a:prstDash val="solid"/>
+                      <a:round/>
+                      <a:headEnd type="none" w="med" len="med"/>
+                      <a:tailEnd type="none" w="med" len="med"/>
+                    </a:lnT>
+                    <a:lnB w="76200" cap="flat" cmpd="sng" algn="ctr">
+                      <a:solidFill>
+                        <a:schemeClr val="bg1"/>
+                      </a:solidFill>
+                      <a:prstDash val="solid"/>
+                      <a:round/>
+                      <a:headEnd type="none" w="med" len="med"/>
+                      <a:tailEnd type="none" w="med" len="med"/>
+                    </a:lnB>
+                    <a:lnTlToBr w="12700" cmpd="sng">
+                      <a:noFill/>
+                      <a:prstDash val="solid"/>
+                    </a:lnTlToBr>
+                    <a:lnBlToTr w="12700" cmpd="sng">
+                      <a:noFill/>
+                      <a:prstDash val="solid"/>
+                    </a:lnBlToTr>
+                    <a:solidFill>
+                      <a:schemeClr val="bg1">
+                        <a:lumMod val="95000"/>
+                      </a:schemeClr>
+                    </a:solidFill>
+                  </a:tcPr>
+                </a:tc>
+                <a:tc>
+                  <a:txBody>
+                    <a:bodyPr/>
+                    <a:lstStyle/>
+                    <a:p>
+                      <a:pPr algn="ctr"/>
+                      <a:endParaRPr lang="fr-FR" sz="1400" dirty="0">
+                        <a:solidFill>
+                          <a:srgbClr val="000000"/>
+                        </a:solidFill>
+                      </a:endParaRPr>
+                    </a:p>
+                  </a:txBody>
+                  <a:tcPr anchor="ctr">
+                    <a:lnL>
+                      <a:noFill/>
+                    </a:lnL>
+                    <a:lnR>
+                      <a:noFill/>
+                    </a:lnR>
+                    <a:lnT w="76200" cap="flat" cmpd="sng" algn="ctr">
+                      <a:solidFill>
+                        <a:schemeClr val="bg1"/>
+                      </a:solidFill>
+                      <a:prstDash val="solid"/>
+                      <a:round/>
+                      <a:headEnd type="none" w="med" len="med"/>
+                      <a:tailEnd type="none" w="med" len="med"/>
+                    </a:lnT>
+                    <a:lnB w="76200" cap="flat" cmpd="sng" algn="ctr">
+                      <a:solidFill>
+                        <a:schemeClr val="bg1"/>
+                      </a:solidFill>
+                      <a:prstDash val="solid"/>
+                      <a:round/>
+                      <a:headEnd type="none" w="med" len="med"/>
+                      <a:tailEnd type="none" w="med" len="med"/>
+                    </a:lnB>
+                    <a:lnTlToBr w="12700" cmpd="sng">
+                      <a:noFill/>
+                      <a:prstDash val="solid"/>
+                    </a:lnTlToBr>
+                    <a:lnBlToTr w="12700" cmpd="sng">
+                      <a:noFill/>
+                      <a:prstDash val="solid"/>
+                    </a:lnBlToTr>
+                    <a:solidFill>
+                      <a:schemeClr val="bg1">
+                        <a:lumMod val="95000"/>
+                      </a:schemeClr>
+                    </a:solidFill>
+                  </a:tcPr>
+                </a:tc>
+                <a:extLst>
+                  <a:ext uri="{0D108BD9-81ED-4DB2-BD59-A6C34878D82A}">
+                    <a16:rowId xmlns:a16="http://schemas.microsoft.com/office/drawing/2014/main" val="10007"/>
+                  </a:ext>
+                </a:extLst>
+              </a:tr>
+              <a:tr h="396240">
+                <a:tc>
+                  <a:txBody>
+                    <a:bodyPr/>
+                    <a:lstStyle/>
+                    <a:p>
+                      <a:pPr algn="ctr"/>
+                      <a:r>
+                        <a:rPr lang="fr-FR" sz="1400" b="1" dirty="0">
+                          <a:solidFill>
+                            <a:srgbClr val="000000"/>
+                          </a:solidFill>
+                          <a:latin typeface="Arial Black" panose="020B0A04020102020204" pitchFamily="34" charset="0"/>
+                        </a:rPr>
+                        <a:t>8</a:t>
+                      </a:r>
+                    </a:p>
+                  </a:txBody>
+                  <a:tcPr anchor="ctr">
+                    <a:lnL w="76200" cap="flat" cmpd="sng" algn="ctr">
+                      <a:noFill/>
+                      <a:prstDash val="solid"/>
+                      <a:round/>
+                      <a:headEnd type="none" w="med" len="med"/>
+                      <a:tailEnd type="none" w="med" len="med"/>
+                    </a:lnL>
+                    <a:lnR>
+                      <a:noFill/>
+                    </a:lnR>
+                    <a:lnT w="76200" cap="flat" cmpd="sng" algn="ctr">
+                      <a:solidFill>
+                        <a:schemeClr val="bg1"/>
+                      </a:solidFill>
+                      <a:prstDash val="solid"/>
+                      <a:round/>
+                      <a:headEnd type="none" w="med" len="med"/>
+                      <a:tailEnd type="none" w="med" len="med"/>
+                    </a:lnT>
+                    <a:lnB w="76200" cap="flat" cmpd="sng" algn="ctr">
+                      <a:solidFill>
+                        <a:schemeClr val="bg1"/>
+                      </a:solidFill>
+                      <a:prstDash val="solid"/>
+                      <a:round/>
+                      <a:headEnd type="none" w="med" len="med"/>
+                      <a:tailEnd type="none" w="med" len="med"/>
+                    </a:lnB>
+                    <a:lnTlToBr w="12700" cmpd="sng">
+                      <a:noFill/>
+                      <a:prstDash val="solid"/>
+                    </a:lnTlToBr>
+                    <a:lnBlToTr w="12700" cmpd="sng">
+                      <a:noFill/>
+                      <a:prstDash val="solid"/>
+                    </a:lnBlToTr>
+                    <a:solidFill>
+                      <a:schemeClr val="bg1">
+                        <a:lumMod val="95000"/>
+                      </a:schemeClr>
+                    </a:solidFill>
+                  </a:tcPr>
+                </a:tc>
+                <a:tc>
+                  <a:txBody>
+                    <a:bodyPr/>
+                    <a:lstStyle/>
+                    <a:p>
+                      <a:pPr algn="r"/>
+                      <a:endParaRPr lang="fr-FR" sz="1400" dirty="0">
+                        <a:solidFill>
+                          <a:srgbClr val="000000"/>
+                        </a:solidFill>
+                        <a:latin typeface="Arial Black" panose="020B0A04020102020204" pitchFamily="34" charset="0"/>
+                      </a:endParaRPr>
+                    </a:p>
+                  </a:txBody>
+                  <a:tcPr anchor="ctr">
+                    <a:lnL>
+                      <a:noFill/>
+                    </a:lnL>
+                    <a:lnR>
+                      <a:noFill/>
+                    </a:lnR>
+                    <a:lnT w="76200" cap="flat" cmpd="sng" algn="ctr">
+                      <a:solidFill>
+                        <a:schemeClr val="bg1"/>
+                      </a:solidFill>
+                      <a:prstDash val="solid"/>
+                      <a:round/>
+                      <a:headEnd type="none" w="med" len="med"/>
+                      <a:tailEnd type="none" w="med" len="med"/>
+                    </a:lnT>
+                    <a:lnB w="76200" cap="flat" cmpd="sng" algn="ctr">
+                      <a:solidFill>
+                        <a:schemeClr val="bg1"/>
+                      </a:solidFill>
+                      <a:prstDash val="solid"/>
+                      <a:round/>
+                      <a:headEnd type="none" w="med" len="med"/>
+                      <a:tailEnd type="none" w="med" len="med"/>
+                    </a:lnB>
+                    <a:lnTlToBr w="12700" cmpd="sng">
+                      <a:noFill/>
+                      <a:prstDash val="solid"/>
+                    </a:lnTlToBr>
+                    <a:lnBlToTr w="12700" cmpd="sng">
+                      <a:noFill/>
+                      <a:prstDash val="solid"/>
+                    </a:lnBlToTr>
+                    <a:solidFill>
+                      <a:schemeClr val="bg1">
+                        <a:lumMod val="95000"/>
+                      </a:schemeClr>
+                    </a:solidFill>
+                  </a:tcPr>
+                </a:tc>
+                <a:tc>
+                  <a:txBody>
+                    <a:bodyPr/>
+                    <a:lstStyle/>
+                    <a:p>
+                      <a:pPr algn="ctr"/>
+                      <a:endParaRPr lang="fr-FR" sz="1400" dirty="0">
+                        <a:solidFill>
+                          <a:srgbClr val="000000"/>
+                        </a:solidFill>
+                      </a:endParaRPr>
+                    </a:p>
+                  </a:txBody>
+                  <a:tcPr anchor="ctr">
+                    <a:lnL>
+                      <a:noFill/>
+                    </a:lnL>
+                    <a:lnR>
+                      <a:noFill/>
+                    </a:lnR>
+                    <a:lnT w="76200" cap="flat" cmpd="sng" algn="ctr">
+                      <a:solidFill>
+                        <a:schemeClr val="bg1"/>
+                      </a:solidFill>
+                      <a:prstDash val="solid"/>
+                      <a:round/>
+                      <a:headEnd type="none" w="med" len="med"/>
+                      <a:tailEnd type="none" w="med" len="med"/>
+                    </a:lnT>
+                    <a:lnB w="76200" cap="flat" cmpd="sng" algn="ctr">
+                      <a:solidFill>
+                        <a:schemeClr val="bg1"/>
+                      </a:solidFill>
+                      <a:prstDash val="solid"/>
+                      <a:round/>
+                      <a:headEnd type="none" w="med" len="med"/>
+                      <a:tailEnd type="none" w="med" len="med"/>
+                    </a:lnB>
+                    <a:lnTlToBr w="12700" cmpd="sng">
+                      <a:noFill/>
+                      <a:prstDash val="solid"/>
+                    </a:lnTlToBr>
+                    <a:lnBlToTr w="12700" cmpd="sng">
+                      <a:noFill/>
+                      <a:prstDash val="solid"/>
+                    </a:lnBlToTr>
+                    <a:solidFill>
+                      <a:schemeClr val="bg1">
+                        <a:lumMod val="95000"/>
+                      </a:schemeClr>
+                    </a:solidFill>
+                  </a:tcPr>
+                </a:tc>
+                <a:extLst>
+                  <a:ext uri="{0D108BD9-81ED-4DB2-BD59-A6C34878D82A}">
+                    <a16:rowId xmlns:a16="http://schemas.microsoft.com/office/drawing/2014/main" val="10008"/>
+                  </a:ext>
+                </a:extLst>
+              </a:tr>
+              <a:tr h="396240">
+                <a:tc>
+                  <a:txBody>
+                    <a:bodyPr/>
+                    <a:lstStyle/>
+                    <a:p>
+                      <a:pPr algn="ctr"/>
+                      <a:r>
+                        <a:rPr lang="fr-FR" sz="1400" b="1" dirty="0">
+                          <a:solidFill>
+                            <a:srgbClr val="000000"/>
+                          </a:solidFill>
+                          <a:latin typeface="Arial Black" panose="020B0A04020102020204" pitchFamily="34" charset="0"/>
+                        </a:rPr>
+                        <a:t>9</a:t>
+                      </a:r>
+                    </a:p>
+                  </a:txBody>
+                  <a:tcPr anchor="ctr">
+                    <a:lnL w="76200" cap="flat" cmpd="sng" algn="ctr">
+                      <a:noFill/>
+                      <a:prstDash val="solid"/>
+                      <a:round/>
+                      <a:headEnd type="none" w="med" len="med"/>
+                      <a:tailEnd type="none" w="med" len="med"/>
+                    </a:lnL>
+                    <a:lnR>
+                      <a:noFill/>
+                    </a:lnR>
+                    <a:lnT w="76200" cap="flat" cmpd="sng" algn="ctr">
+                      <a:solidFill>
+                        <a:schemeClr val="bg1"/>
+                      </a:solidFill>
+                      <a:prstDash val="solid"/>
+                      <a:round/>
+                      <a:headEnd type="none" w="med" len="med"/>
+                      <a:tailEnd type="none" w="med" len="med"/>
+                    </a:lnT>
+                    <a:lnB w="76200" cap="flat" cmpd="sng" algn="ctr">
+                      <a:solidFill>
+                        <a:schemeClr val="bg1"/>
+                      </a:solidFill>
+                      <a:prstDash val="solid"/>
+                      <a:round/>
+                      <a:headEnd type="none" w="med" len="med"/>
+                      <a:tailEnd type="none" w="med" len="med"/>
+                    </a:lnB>
+                    <a:lnTlToBr w="12700" cmpd="sng">
+                      <a:noFill/>
+                      <a:prstDash val="solid"/>
+                    </a:lnTlToBr>
+                    <a:lnBlToTr w="12700" cmpd="sng">
+                      <a:noFill/>
+                      <a:prstDash val="solid"/>
+                    </a:lnBlToTr>
+                    <a:solidFill>
+                      <a:schemeClr val="bg1">
+                        <a:lumMod val="95000"/>
+                      </a:schemeClr>
+                    </a:solidFill>
+                  </a:tcPr>
+                </a:tc>
+                <a:tc>
+                  <a:txBody>
+                    <a:bodyPr/>
+                    <a:lstStyle/>
+                    <a:p>
+                      <a:pPr algn="r"/>
+                      <a:endParaRPr lang="fr-FR" sz="1400" dirty="0">
+                        <a:solidFill>
+                          <a:srgbClr val="000000"/>
+                        </a:solidFill>
+                        <a:latin typeface="Arial Black" panose="020B0A04020102020204" pitchFamily="34" charset="0"/>
+                      </a:endParaRPr>
+                    </a:p>
+                  </a:txBody>
+                  <a:tcPr anchor="ctr">
+                    <a:lnL>
+                      <a:noFill/>
+                    </a:lnL>
+                    <a:lnR>
+                      <a:noFill/>
+                    </a:lnR>
+                    <a:lnT w="76200" cap="flat" cmpd="sng" algn="ctr">
+                      <a:solidFill>
+                        <a:schemeClr val="bg1"/>
+                      </a:solidFill>
+                      <a:prstDash val="solid"/>
+                      <a:round/>
+                      <a:headEnd type="none" w="med" len="med"/>
+                      <a:tailEnd type="none" w="med" len="med"/>
+                    </a:lnT>
+                    <a:lnB w="76200" cap="flat" cmpd="sng" algn="ctr">
+                      <a:solidFill>
+                        <a:schemeClr val="bg1"/>
+                      </a:solidFill>
+                      <a:prstDash val="solid"/>
+                      <a:round/>
+                      <a:headEnd type="none" w="med" len="med"/>
+                      <a:tailEnd type="none" w="med" len="med"/>
+                    </a:lnB>
+                    <a:lnTlToBr w="12700" cmpd="sng">
+                      <a:noFill/>
+                      <a:prstDash val="solid"/>
+                    </a:lnTlToBr>
+                    <a:lnBlToTr w="12700" cmpd="sng">
+                      <a:noFill/>
+                      <a:prstDash val="solid"/>
+                    </a:lnBlToTr>
+                    <a:solidFill>
+                      <a:schemeClr val="bg1">
+                        <a:lumMod val="95000"/>
+                      </a:schemeClr>
+                    </a:solidFill>
+                  </a:tcPr>
+                </a:tc>
+                <a:tc>
+                  <a:txBody>
+                    <a:bodyPr/>
+                    <a:lstStyle/>
+                    <a:p>
+                      <a:pPr algn="ctr"/>
+                      <a:endParaRPr lang="fr-FR" sz="1400" dirty="0">
+                        <a:solidFill>
+                          <a:srgbClr val="000000"/>
+                        </a:solidFill>
+                      </a:endParaRPr>
+                    </a:p>
+                  </a:txBody>
+                  <a:tcPr anchor="ctr">
+                    <a:lnL>
+                      <a:noFill/>
+                    </a:lnL>
+                    <a:lnR>
+                      <a:noFill/>
+                    </a:lnR>
+                    <a:lnT w="76200" cap="flat" cmpd="sng" algn="ctr">
+                      <a:solidFill>
+                        <a:schemeClr val="bg1"/>
+                      </a:solidFill>
+                      <a:prstDash val="solid"/>
+                      <a:round/>
+                      <a:headEnd type="none" w="med" len="med"/>
+                      <a:tailEnd type="none" w="med" len="med"/>
+                    </a:lnT>
+                    <a:lnB w="76200" cap="flat" cmpd="sng" algn="ctr">
+                      <a:solidFill>
+                        <a:schemeClr val="bg1"/>
+                      </a:solidFill>
+                      <a:prstDash val="solid"/>
+                      <a:round/>
+                      <a:headEnd type="none" w="med" len="med"/>
+                      <a:tailEnd type="none" w="med" len="med"/>
+                    </a:lnB>
+                    <a:lnTlToBr w="12700" cmpd="sng">
+                      <a:noFill/>
+                      <a:prstDash val="solid"/>
+                    </a:lnTlToBr>
+                    <a:lnBlToTr w="12700" cmpd="sng">
+                      <a:noFill/>
+                      <a:prstDash val="solid"/>
+                    </a:lnBlToTr>
+                    <a:solidFill>
+                      <a:schemeClr val="bg1">
+                        <a:lumMod val="95000"/>
+                      </a:schemeClr>
+                    </a:solidFill>
+                  </a:tcPr>
+                </a:tc>
+                <a:extLst>
+                  <a:ext uri="{0D108BD9-81ED-4DB2-BD59-A6C34878D82A}">
+                    <a16:rowId xmlns:a16="http://schemas.microsoft.com/office/drawing/2014/main" val="10009"/>
+                  </a:ext>
+                </a:extLst>
+              </a:tr>
+              <a:tr h="396240">
+                <a:tc>
+                  <a:txBody>
+                    <a:bodyPr/>
+                    <a:lstStyle/>
+                    <a:p>
+                      <a:pPr algn="ctr"/>
+                      <a:r>
+                        <a:rPr lang="fr-FR" sz="1400" b="1" dirty="0">
+                          <a:solidFill>
+                            <a:srgbClr val="000000"/>
+                          </a:solidFill>
+                          <a:latin typeface="Arial Black" panose="020B0A04020102020204" pitchFamily="34" charset="0"/>
+                        </a:rPr>
+                        <a:t>SP</a:t>
+                      </a:r>
+                    </a:p>
+                  </a:txBody>
+                  <a:tcPr anchor="ctr">
+                    <a:lnL w="76200" cap="flat" cmpd="sng" algn="ctr">
+                      <a:noFill/>
+                      <a:prstDash val="solid"/>
+                      <a:round/>
+                      <a:headEnd type="none" w="med" len="med"/>
+                      <a:tailEnd type="none" w="med" len="med"/>
+                    </a:lnL>
+                    <a:lnR>
+                      <a:noFill/>
+                    </a:lnR>
+                    <a:lnT w="76200" cap="flat" cmpd="sng" algn="ctr">
+                      <a:solidFill>
+                        <a:schemeClr val="bg1"/>
+                      </a:solidFill>
+                      <a:prstDash val="solid"/>
+                      <a:round/>
+                      <a:headEnd type="none" w="med" len="med"/>
+                      <a:tailEnd type="none" w="med" len="med"/>
+                    </a:lnT>
+                    <a:lnB w="76200" cap="flat" cmpd="sng" algn="ctr">
+                      <a:noFill/>
+                      <a:prstDash val="solid"/>
+                      <a:round/>
+                      <a:headEnd type="none" w="med" len="med"/>
+                      <a:tailEnd type="none" w="med" len="med"/>
+                    </a:lnB>
+                    <a:lnTlToBr w="12700" cmpd="sng">
+                      <a:noFill/>
+                      <a:prstDash val="solid"/>
+                    </a:lnTlToBr>
+                    <a:lnBlToTr w="12700" cmpd="sng">
+                      <a:noFill/>
+                      <a:prstDash val="solid"/>
+                    </a:lnBlToTr>
+                    <a:solidFill>
+                      <a:schemeClr val="bg1">
+                        <a:lumMod val="95000"/>
+                      </a:schemeClr>
+                    </a:solidFill>
+                  </a:tcPr>
+                </a:tc>
+                <a:tc>
+                  <a:txBody>
+                    <a:bodyPr/>
+                    <a:lstStyle/>
+                    <a:p>
+                      <a:pPr algn="r"/>
+                      <a:endParaRPr lang="fr-FR" sz="1400" dirty="0">
+                        <a:solidFill>
+                          <a:srgbClr val="000000"/>
+                        </a:solidFill>
+                        <a:latin typeface="Arial Black" panose="020B0A04020102020204" pitchFamily="34" charset="0"/>
+                      </a:endParaRPr>
+                    </a:p>
+                  </a:txBody>
+                  <a:tcPr anchor="ctr">
+                    <a:lnL>
+                      <a:noFill/>
+                    </a:lnL>
+                    <a:lnR w="12700" cap="flat" cmpd="sng" algn="ctr">
+                      <a:noFill/>
+                      <a:prstDash val="solid"/>
+                      <a:round/>
+                      <a:headEnd type="none" w="med" len="med"/>
+                      <a:tailEnd type="none" w="med" len="med"/>
+                    </a:lnR>
+                    <a:lnT w="76200" cap="flat" cmpd="sng" algn="ctr">
+                      <a:solidFill>
+                        <a:schemeClr val="bg1"/>
+                      </a:solidFill>
+                      <a:prstDash val="solid"/>
+                      <a:round/>
+                      <a:headEnd type="none" w="med" len="med"/>
+                      <a:tailEnd type="none" w="med" len="med"/>
+                    </a:lnT>
+                    <a:lnB w="76200" cap="flat" cmpd="sng" algn="ctr">
+                      <a:noFill/>
+                      <a:prstDash val="solid"/>
+                      <a:round/>
+                      <a:headEnd type="none" w="med" len="med"/>
+                      <a:tailEnd type="none" w="med" len="med"/>
+                    </a:lnB>
+                    <a:lnTlToBr w="12700" cmpd="sng">
+                      <a:noFill/>
+                      <a:prstDash val="solid"/>
+                    </a:lnTlToBr>
+                    <a:lnBlToTr w="12700" cmpd="sng">
+                      <a:noFill/>
+                      <a:prstDash val="solid"/>
+                    </a:lnBlToTr>
+                    <a:solidFill>
+                      <a:schemeClr val="bg1">
+                        <a:lumMod val="95000"/>
+                      </a:schemeClr>
+                    </a:solidFill>
+                  </a:tcPr>
+                </a:tc>
+                <a:tc>
+                  <a:txBody>
+                    <a:bodyPr/>
+                    <a:lstStyle/>
+                    <a:p>
+                      <a:pPr algn="ctr"/>
+                      <a:endParaRPr lang="fr-FR" sz="1400" dirty="0">
+                        <a:solidFill>
+                          <a:srgbClr val="000000"/>
+                        </a:solidFill>
+                      </a:endParaRPr>
+                    </a:p>
+                  </a:txBody>
+                  <a:tcPr anchor="ctr">
+                    <a:lnL w="12700" cap="flat" cmpd="sng" algn="ctr">
+                      <a:noFill/>
+                      <a:prstDash val="solid"/>
+                      <a:round/>
+                      <a:headEnd type="none" w="med" len="med"/>
+                      <a:tailEnd type="none" w="med" len="med"/>
+                    </a:lnL>
+                    <a:lnR>
+                      <a:noFill/>
+                    </a:lnR>
+                    <a:lnT w="76200" cap="flat" cmpd="sng" algn="ctr">
+                      <a:solidFill>
+                        <a:schemeClr val="bg1"/>
+                      </a:solidFill>
+                      <a:prstDash val="solid"/>
+                      <a:round/>
+                      <a:headEnd type="none" w="med" len="med"/>
+                      <a:tailEnd type="none" w="med" len="med"/>
+                    </a:lnT>
+                    <a:lnB w="76200" cap="flat" cmpd="sng" algn="ctr">
+                      <a:noFill/>
+                      <a:prstDash val="solid"/>
+                      <a:round/>
+                      <a:headEnd type="none" w="med" len="med"/>
+                      <a:tailEnd type="none" w="med" len="med"/>
+                    </a:lnB>
+                    <a:lnTlToBr w="12700" cmpd="sng">
+                      <a:noFill/>
+                      <a:prstDash val="solid"/>
+                    </a:lnTlToBr>
+                    <a:lnBlToTr w="12700" cmpd="sng">
+                      <a:noFill/>
+                      <a:prstDash val="solid"/>
+                    </a:lnBlToTr>
+                    <a:solidFill>
+                      <a:schemeClr val="bg1">
+                        <a:lumMod val="95000"/>
+                      </a:schemeClr>
+                    </a:solidFill>
+                  </a:tcPr>
+                </a:tc>
+                <a:extLst>
+                  <a:ext uri="{0D108BD9-81ED-4DB2-BD59-A6C34878D82A}">
+                    <a16:rowId xmlns:a16="http://schemas.microsoft.com/office/drawing/2014/main" val="10010"/>
+                  </a:ext>
+                </a:extLst>
+              </a:tr>
+            </a:tbl>
+          </a:graphicData>
+        </a:graphic>
+      </p:graphicFrame>
+      <p:pic>
+        <p:nvPicPr>
+          <p:cNvPr id="13" name="Picture 4" descr="https://shop.vestiaire-officiel.com/catalogue/vignettes/vsto-sticker-cr-templierssenart-u-w-26129.png">
+            <a:extLst>
+              <a:ext uri="{FF2B5EF4-FFF2-40B4-BE49-F238E27FC236}">
+                <a16:creationId xmlns:a16="http://schemas.microsoft.com/office/drawing/2014/main" id="{B3FEB716-BB31-4F9B-A56E-057F5504106F}"/>
+              </a:ext>
+            </a:extLst>
+          </p:cNvPr>
+          <p:cNvPicPr>
+            <a:picLocks noChangeAspect="1" noChangeArrowheads="1"/>
+          </p:cNvPicPr>
+          <p:nvPr/>
+        </p:nvPicPr>
+        <p:blipFill>
+          <a:blip r:embed="rId3" cstate="print">
+            <a:extLst>
+              <a:ext uri="{28A0092B-C50C-407E-A947-70E740481C1C}">
+                <a14:useLocalDpi xmlns:a14="http://schemas.microsoft.com/office/drawing/2010/main" val="0"/>
+              </a:ext>
+            </a:extLst>
+          </a:blip>
+          <a:srcRect/>
+          <a:stretch>
+            <a:fillRect/>
+          </a:stretch>
+        </p:blipFill>
+        <p:spPr bwMode="auto">
+          <a:xfrm>
+            <a:off x="79534" y="5379722"/>
+            <a:ext cx="450832" cy="450832"/>
+          </a:xfrm>
+          <a:prstGeom prst="rect">
+            <a:avLst/>
+          </a:prstGeom>
+          <a:noFill/>
+          <a:extLst>
+            <a:ext uri="{909E8E84-426E-40DD-AFC4-6F175D3DCCD1}">
+              <a14:hiddenFill xmlns:a14="http://schemas.microsoft.com/office/drawing/2010/main">
+                <a:solidFill>
+                  <a:srgbClr val="FFFFFF"/>
+                </a:solidFill>
+              </a14:hiddenFill>
+            </a:ext>
+          </a:extLst>
+        </p:spPr>
+      </p:pic>
+      <p:pic>
+        <p:nvPicPr>
+          <p:cNvPr id="15" name="Picture 4" descr="https://shop.vestiaire-officiel.com/catalogue/vignettes/vsto-sticker-cr-templierssenart-u-w-26129.png">
+            <a:extLst>
+              <a:ext uri="{FF2B5EF4-FFF2-40B4-BE49-F238E27FC236}">
+                <a16:creationId xmlns:a16="http://schemas.microsoft.com/office/drawing/2014/main" id="{3D631561-B49B-490D-8D21-DBCC25A3FBF0}"/>
+              </a:ext>
+            </a:extLst>
+          </p:cNvPr>
+          <p:cNvPicPr>
+            <a:picLocks noChangeAspect="1" noChangeArrowheads="1"/>
+          </p:cNvPicPr>
+          <p:nvPr/>
+        </p:nvPicPr>
+        <p:blipFill>
+          <a:blip r:embed="rId3" cstate="print">
+            <a:extLst>
+              <a:ext uri="{28A0092B-C50C-407E-A947-70E740481C1C}">
+                <a14:useLocalDpi xmlns:a14="http://schemas.microsoft.com/office/drawing/2010/main" val="0"/>
+              </a:ext>
+            </a:extLst>
+          </a:blip>
+          <a:srcRect/>
+          <a:stretch>
+            <a:fillRect/>
+          </a:stretch>
+        </p:blipFill>
+        <p:spPr bwMode="auto">
+          <a:xfrm>
+            <a:off x="79534" y="5773860"/>
+            <a:ext cx="450832" cy="450832"/>
+          </a:xfrm>
+          <a:prstGeom prst="rect">
+            <a:avLst/>
+          </a:prstGeom>
+          <a:noFill/>
+          <a:extLst>
+            <a:ext uri="{909E8E84-426E-40DD-AFC4-6F175D3DCCD1}">
+              <a14:hiddenFill xmlns:a14="http://schemas.microsoft.com/office/drawing/2010/main">
+                <a:solidFill>
+                  <a:srgbClr val="FFFFFF"/>
+                </a:solidFill>
+              </a14:hiddenFill>
+            </a:ext>
+          </a:extLst>
+        </p:spPr>
+      </p:pic>
+      <p:pic>
+        <p:nvPicPr>
+          <p:cNvPr id="16" name="Picture 4" descr="https://shop.vestiaire-officiel.com/catalogue/vignettes/vsto-sticker-cr-templierssenart-u-w-26129.png">
+            <a:extLst>
+              <a:ext uri="{FF2B5EF4-FFF2-40B4-BE49-F238E27FC236}">
+                <a16:creationId xmlns:a16="http://schemas.microsoft.com/office/drawing/2014/main" id="{973EABF7-B357-4EF2-AA99-07818E4653BD}"/>
+              </a:ext>
+            </a:extLst>
+          </p:cNvPr>
+          <p:cNvPicPr>
+            <a:picLocks noChangeAspect="1" noChangeArrowheads="1"/>
+          </p:cNvPicPr>
+          <p:nvPr/>
+        </p:nvPicPr>
+        <p:blipFill>
+          <a:blip r:embed="rId3" cstate="print">
+            <a:extLst>
+              <a:ext uri="{28A0092B-C50C-407E-A947-70E740481C1C}">
+                <a14:useLocalDpi xmlns:a14="http://schemas.microsoft.com/office/drawing/2010/main" val="0"/>
+              </a:ext>
+            </a:extLst>
+          </a:blip>
+          <a:srcRect/>
+          <a:stretch>
+            <a:fillRect/>
+          </a:stretch>
+        </p:blipFill>
+        <p:spPr bwMode="auto">
+          <a:xfrm>
+            <a:off x="79307" y="6164639"/>
+            <a:ext cx="450832" cy="450832"/>
+          </a:xfrm>
+          <a:prstGeom prst="rect">
+            <a:avLst/>
+          </a:prstGeom>
+          <a:noFill/>
+          <a:extLst>
+            <a:ext uri="{909E8E84-426E-40DD-AFC4-6F175D3DCCD1}">
+              <a14:hiddenFill xmlns:a14="http://schemas.microsoft.com/office/drawing/2010/main">
+                <a:solidFill>
+                  <a:srgbClr val="FFFFFF"/>
+                </a:solidFill>
+              </a14:hiddenFill>
+            </a:ext>
+          </a:extLst>
+        </p:spPr>
+      </p:pic>
+      <p:pic>
+        <p:nvPicPr>
+          <p:cNvPr id="17" name="Picture 4" descr="https://shop.vestiaire-officiel.com/catalogue/vignettes/vsto-sticker-cr-templierssenart-u-w-26129.png">
+            <a:extLst>
+              <a:ext uri="{FF2B5EF4-FFF2-40B4-BE49-F238E27FC236}">
+                <a16:creationId xmlns:a16="http://schemas.microsoft.com/office/drawing/2014/main" id="{ECB5E591-5F28-40AA-8F21-8AAB5BD28BB1}"/>
+              </a:ext>
+            </a:extLst>
+          </p:cNvPr>
+          <p:cNvPicPr>
+            <a:picLocks noChangeAspect="1" noChangeArrowheads="1"/>
+          </p:cNvPicPr>
+          <p:nvPr/>
+        </p:nvPicPr>
+        <p:blipFill>
+          <a:blip r:embed="rId3" cstate="print">
+            <a:extLst>
+              <a:ext uri="{28A0092B-C50C-407E-A947-70E740481C1C}">
+                <a14:useLocalDpi xmlns:a14="http://schemas.microsoft.com/office/drawing/2010/main" val="0"/>
+              </a:ext>
+            </a:extLst>
+          </a:blip>
+          <a:srcRect/>
+          <a:stretch>
+            <a:fillRect/>
+          </a:stretch>
+        </p:blipFill>
+        <p:spPr bwMode="auto">
+          <a:xfrm>
+            <a:off x="78522" y="6575146"/>
+            <a:ext cx="450832" cy="450832"/>
+          </a:xfrm>
+          <a:prstGeom prst="rect">
+            <a:avLst/>
+          </a:prstGeom>
+          <a:noFill/>
+          <a:extLst>
+            <a:ext uri="{909E8E84-426E-40DD-AFC4-6F175D3DCCD1}">
+              <a14:hiddenFill xmlns:a14="http://schemas.microsoft.com/office/drawing/2010/main">
+                <a:solidFill>
+                  <a:srgbClr val="FFFFFF"/>
+                </a:solidFill>
+              </a14:hiddenFill>
+            </a:ext>
+          </a:extLst>
+        </p:spPr>
+      </p:pic>
+      <p:pic>
+        <p:nvPicPr>
+          <p:cNvPr id="18" name="Picture 4" descr="https://shop.vestiaire-officiel.com/catalogue/vignettes/vsto-sticker-cr-templierssenart-u-w-26129.png">
+            <a:extLst>
+              <a:ext uri="{FF2B5EF4-FFF2-40B4-BE49-F238E27FC236}">
+                <a16:creationId xmlns:a16="http://schemas.microsoft.com/office/drawing/2014/main" id="{209CD6EC-42C7-42D2-B6F9-D96F6003F446}"/>
+              </a:ext>
+            </a:extLst>
+          </p:cNvPr>
+          <p:cNvPicPr>
+            <a:picLocks noChangeAspect="1" noChangeArrowheads="1"/>
+          </p:cNvPicPr>
+          <p:nvPr/>
+        </p:nvPicPr>
+        <p:blipFill>
+          <a:blip r:embed="rId3" cstate="print">
+            <a:extLst>
+              <a:ext uri="{28A0092B-C50C-407E-A947-70E740481C1C}">
+                <a14:useLocalDpi xmlns:a14="http://schemas.microsoft.com/office/drawing/2010/main" val="0"/>
+              </a:ext>
+            </a:extLst>
+          </a:blip>
+          <a:srcRect/>
+          <a:stretch>
+            <a:fillRect/>
+          </a:stretch>
+        </p:blipFill>
+        <p:spPr bwMode="auto">
+          <a:xfrm>
+            <a:off x="78522" y="6969284"/>
+            <a:ext cx="450832" cy="450832"/>
+          </a:xfrm>
+          <a:prstGeom prst="rect">
+            <a:avLst/>
+          </a:prstGeom>
+          <a:noFill/>
+          <a:extLst>
+            <a:ext uri="{909E8E84-426E-40DD-AFC4-6F175D3DCCD1}">
+              <a14:hiddenFill xmlns:a14="http://schemas.microsoft.com/office/drawing/2010/main">
+                <a:solidFill>
+                  <a:srgbClr val="FFFFFF"/>
+                </a:solidFill>
+              </a14:hiddenFill>
+            </a:ext>
+          </a:extLst>
+        </p:spPr>
+      </p:pic>
+      <p:pic>
+        <p:nvPicPr>
+          <p:cNvPr id="19" name="Picture 4" descr="https://shop.vestiaire-officiel.com/catalogue/vignettes/vsto-sticker-cr-templierssenart-u-w-26129.png">
+            <a:extLst>
+              <a:ext uri="{FF2B5EF4-FFF2-40B4-BE49-F238E27FC236}">
+                <a16:creationId xmlns:a16="http://schemas.microsoft.com/office/drawing/2014/main" id="{E2591577-A706-453F-B007-1FAC476D2243}"/>
+              </a:ext>
+            </a:extLst>
+          </p:cNvPr>
+          <p:cNvPicPr>
+            <a:picLocks noChangeAspect="1" noChangeArrowheads="1"/>
+          </p:cNvPicPr>
+          <p:nvPr/>
+        </p:nvPicPr>
+        <p:blipFill>
+          <a:blip r:embed="rId3" cstate="print">
+            <a:extLst>
+              <a:ext uri="{28A0092B-C50C-407E-A947-70E740481C1C}">
+                <a14:useLocalDpi xmlns:a14="http://schemas.microsoft.com/office/drawing/2010/main" val="0"/>
+              </a:ext>
+            </a:extLst>
+          </a:blip>
+          <a:srcRect/>
+          <a:stretch>
+            <a:fillRect/>
+          </a:stretch>
+        </p:blipFill>
+        <p:spPr bwMode="auto">
+          <a:xfrm>
+            <a:off x="78295" y="7360063"/>
+            <a:ext cx="450832" cy="450832"/>
+          </a:xfrm>
+          <a:prstGeom prst="rect">
+            <a:avLst/>
+          </a:prstGeom>
+          <a:noFill/>
+          <a:extLst>
+            <a:ext uri="{909E8E84-426E-40DD-AFC4-6F175D3DCCD1}">
+              <a14:hiddenFill xmlns:a14="http://schemas.microsoft.com/office/drawing/2010/main">
+                <a:solidFill>
+                  <a:srgbClr val="FFFFFF"/>
+                </a:solidFill>
+              </a14:hiddenFill>
+            </a:ext>
+          </a:extLst>
+        </p:spPr>
+      </p:pic>
+      <p:pic>
+        <p:nvPicPr>
+          <p:cNvPr id="20" name="Picture 4" descr="https://shop.vestiaire-officiel.com/catalogue/vignettes/vsto-sticker-cr-templierssenart-u-w-26129.png">
+            <a:extLst>
+              <a:ext uri="{FF2B5EF4-FFF2-40B4-BE49-F238E27FC236}">
+                <a16:creationId xmlns:a16="http://schemas.microsoft.com/office/drawing/2014/main" id="{4EED214E-B564-4756-AB90-9494D361A27F}"/>
+              </a:ext>
+            </a:extLst>
+          </p:cNvPr>
+          <p:cNvPicPr>
+            <a:picLocks noChangeAspect="1" noChangeArrowheads="1"/>
+          </p:cNvPicPr>
+          <p:nvPr/>
+        </p:nvPicPr>
+        <p:blipFill>
+          <a:blip r:embed="rId3" cstate="print">
+            <a:extLst>
+              <a:ext uri="{28A0092B-C50C-407E-A947-70E740481C1C}">
+                <a14:useLocalDpi xmlns:a14="http://schemas.microsoft.com/office/drawing/2010/main" val="0"/>
+              </a:ext>
+            </a:extLst>
+          </a:blip>
+          <a:srcRect/>
+          <a:stretch>
+            <a:fillRect/>
+          </a:stretch>
+        </p:blipFill>
+        <p:spPr bwMode="auto">
+          <a:xfrm>
+            <a:off x="76427" y="7759091"/>
+            <a:ext cx="450832" cy="450832"/>
+          </a:xfrm>
+          <a:prstGeom prst="rect">
+            <a:avLst/>
+          </a:prstGeom>
+          <a:noFill/>
+          <a:extLst>
+            <a:ext uri="{909E8E84-426E-40DD-AFC4-6F175D3DCCD1}">
+              <a14:hiddenFill xmlns:a14="http://schemas.microsoft.com/office/drawing/2010/main">
+                <a:solidFill>
+                  <a:srgbClr val="FFFFFF"/>
+                </a:solidFill>
+              </a14:hiddenFill>
+            </a:ext>
+          </a:extLst>
+        </p:spPr>
+      </p:pic>
+      <p:pic>
+        <p:nvPicPr>
+          <p:cNvPr id="23" name="Picture 4" descr="https://shop.vestiaire-officiel.com/catalogue/vignettes/vsto-sticker-cr-templierssenart-u-w-26129.png">
+            <a:extLst>
+              <a:ext uri="{FF2B5EF4-FFF2-40B4-BE49-F238E27FC236}">
+                <a16:creationId xmlns:a16="http://schemas.microsoft.com/office/drawing/2014/main" id="{352D7D5F-7867-4223-B647-3295A00D81EA}"/>
+              </a:ext>
+            </a:extLst>
+          </p:cNvPr>
+          <p:cNvPicPr>
+            <a:picLocks noChangeAspect="1" noChangeArrowheads="1"/>
+          </p:cNvPicPr>
+          <p:nvPr/>
+        </p:nvPicPr>
+        <p:blipFill>
+          <a:blip r:embed="rId3" cstate="print">
+            <a:extLst>
+              <a:ext uri="{28A0092B-C50C-407E-A947-70E740481C1C}">
+                <a14:useLocalDpi xmlns:a14="http://schemas.microsoft.com/office/drawing/2010/main" val="0"/>
+              </a:ext>
+            </a:extLst>
+          </a:blip>
+          <a:srcRect/>
+          <a:stretch>
+            <a:fillRect/>
+          </a:stretch>
+        </p:blipFill>
+        <p:spPr bwMode="auto">
+          <a:xfrm>
+            <a:off x="76427" y="8153229"/>
+            <a:ext cx="450832" cy="450832"/>
+          </a:xfrm>
+          <a:prstGeom prst="rect">
+            <a:avLst/>
+          </a:prstGeom>
+          <a:noFill/>
+          <a:extLst>
+            <a:ext uri="{909E8E84-426E-40DD-AFC4-6F175D3DCCD1}">
+              <a14:hiddenFill xmlns:a14="http://schemas.microsoft.com/office/drawing/2010/main">
+                <a:solidFill>
+                  <a:srgbClr val="FFFFFF"/>
+                </a:solidFill>
+              </a14:hiddenFill>
+            </a:ext>
+          </a:extLst>
+        </p:spPr>
+      </p:pic>
+      <p:pic>
+        <p:nvPicPr>
+          <p:cNvPr id="24" name="Picture 4" descr="https://shop.vestiaire-officiel.com/catalogue/vignettes/vsto-sticker-cr-templierssenart-u-w-26129.png">
+            <a:extLst>
+              <a:ext uri="{FF2B5EF4-FFF2-40B4-BE49-F238E27FC236}">
+                <a16:creationId xmlns:a16="http://schemas.microsoft.com/office/drawing/2014/main" id="{C1C04B6E-7E5A-4D50-9F1C-BEAF5BBB561D}"/>
+              </a:ext>
+            </a:extLst>
+          </p:cNvPr>
+          <p:cNvPicPr>
+            <a:picLocks noChangeAspect="1" noChangeArrowheads="1"/>
+          </p:cNvPicPr>
+          <p:nvPr/>
+        </p:nvPicPr>
+        <p:blipFill>
+          <a:blip r:embed="rId3" cstate="print">
+            <a:extLst>
+              <a:ext uri="{28A0092B-C50C-407E-A947-70E740481C1C}">
+                <a14:useLocalDpi xmlns:a14="http://schemas.microsoft.com/office/drawing/2010/main" val="0"/>
+              </a:ext>
+            </a:extLst>
+          </a:blip>
+          <a:srcRect/>
+          <a:stretch>
+            <a:fillRect/>
+          </a:stretch>
+        </p:blipFill>
+        <p:spPr bwMode="auto">
+          <a:xfrm>
+            <a:off x="76200" y="8544008"/>
+            <a:ext cx="450832" cy="450832"/>
+          </a:xfrm>
+          <a:prstGeom prst="rect">
+            <a:avLst/>
+          </a:prstGeom>
+          <a:noFill/>
+          <a:extLst>
+            <a:ext uri="{909E8E84-426E-40DD-AFC4-6F175D3DCCD1}">
+              <a14:hiddenFill xmlns:a14="http://schemas.microsoft.com/office/drawing/2010/main">
+                <a:solidFill>
+                  <a:srgbClr val="FFFFFF"/>
+                </a:solidFill>
+              </a14:hiddenFill>
+            </a:ext>
+          </a:extLst>
+        </p:spPr>
+      </p:pic>
+      <p:pic>
+        <p:nvPicPr>
+          <p:cNvPr id="25" name="Picture 4" descr="https://shop.vestiaire-officiel.com/catalogue/vignettes/vsto-sticker-cr-templierssenart-u-w-26129.png">
+            <a:extLst>
+              <a:ext uri="{FF2B5EF4-FFF2-40B4-BE49-F238E27FC236}">
+                <a16:creationId xmlns:a16="http://schemas.microsoft.com/office/drawing/2014/main" id="{B45372E8-53C7-431E-8397-26B68D9F719E}"/>
+              </a:ext>
+            </a:extLst>
+          </p:cNvPr>
+          <p:cNvPicPr>
+            <a:picLocks noChangeAspect="1" noChangeArrowheads="1"/>
+          </p:cNvPicPr>
+          <p:nvPr/>
+        </p:nvPicPr>
+        <p:blipFill>
+          <a:blip r:embed="rId3" cstate="print">
+            <a:extLst>
+              <a:ext uri="{28A0092B-C50C-407E-A947-70E740481C1C}">
+                <a14:useLocalDpi xmlns:a14="http://schemas.microsoft.com/office/drawing/2010/main" val="0"/>
+              </a:ext>
+            </a:extLst>
+          </a:blip>
+          <a:srcRect/>
+          <a:stretch>
+            <a:fillRect/>
+          </a:stretch>
+        </p:blipFill>
+        <p:spPr bwMode="auto">
+          <a:xfrm>
+            <a:off x="90807" y="8962962"/>
+            <a:ext cx="450832" cy="450832"/>
+          </a:xfrm>
+          <a:prstGeom prst="rect">
+            <a:avLst/>
+          </a:prstGeom>
+          <a:noFill/>
+          <a:extLst>
+            <a:ext uri="{909E8E84-426E-40DD-AFC4-6F175D3DCCD1}">
+              <a14:hiddenFill xmlns:a14="http://schemas.microsoft.com/office/drawing/2010/main">
+                <a:solidFill>
+                  <a:srgbClr val="FFFFFF"/>
+                </a:solidFill>
+              </a14:hiddenFill>
+            </a:ext>
+          </a:extLst>
+        </p:spPr>
+      </p:pic>
     </p:spTree>
   </p:cSld>
   <p:clrMapOvr>
